--- a/document/水源文档——答辩.pptx
+++ b/document/水源文档——答辩.pptx
@@ -4,6 +4,9 @@
   <p:sldMasterIdLst>
     <p:sldMasterId id="2147483648" r:id="rId1"/>
   </p:sldMasterIdLst>
+  <p:notesMasterIdLst>
+    <p:notesMasterId r:id="rId17"/>
+  </p:notesMasterIdLst>
   <p:sldIdLst>
     <p:sldId id="256" r:id="rId2"/>
     <p:sldId id="257" r:id="rId3"/>
@@ -124,6 +127,1686 @@
     </p:ext>
   </p:extLst>
 </p:presentation>
+</file>
+
+<file path=ppt/notesMasters/notesMaster1.xml><?xml version="1.0" encoding="utf-8"?>
+<p:notesMaster xmlns:a="http://schemas.openxmlformats.org/drawingml/2006/main" xmlns:r="http://schemas.openxmlformats.org/officeDocument/2006/relationships" xmlns:p="http://schemas.openxmlformats.org/presentationml/2006/main">
+  <p:cSld>
+    <p:bg>
+      <p:bgRef idx="1001">
+        <a:schemeClr val="bg1"/>
+      </p:bgRef>
+    </p:bg>
+    <p:spTree>
+      <p:nvGrpSpPr>
+        <p:cNvPr id="1" name=""/>
+        <p:cNvGrpSpPr/>
+        <p:nvPr/>
+      </p:nvGrpSpPr>
+      <p:grpSpPr>
+        <a:xfrm>
+          <a:off x="0" y="0"/>
+          <a:ext cx="0" cy="0"/>
+          <a:chOff x="0" y="0"/>
+          <a:chExt cx="0" cy="0"/>
+        </a:xfrm>
+      </p:grpSpPr>
+      <p:sp>
+        <p:nvSpPr>
+          <p:cNvPr id="2" name="页眉占位符 1"/>
+          <p:cNvSpPr>
+            <a:spLocks noGrp="1"/>
+          </p:cNvSpPr>
+          <p:nvPr>
+            <p:ph type="hdr" sz="quarter"/>
+          </p:nvPr>
+        </p:nvSpPr>
+        <p:spPr>
+          <a:xfrm>
+            <a:off x="0" y="0"/>
+            <a:ext cx="2971800" cy="458788"/>
+          </a:xfrm>
+          <a:prstGeom prst="rect">
+            <a:avLst/>
+          </a:prstGeom>
+        </p:spPr>
+        <p:txBody>
+          <a:bodyPr vert="horz" lIns="91440" tIns="45720" rIns="91440" bIns="45720" rtlCol="0"/>
+          <a:lstStyle>
+            <a:lvl1pPr algn="l">
+              <a:defRPr sz="1200"/>
+            </a:lvl1pPr>
+          </a:lstStyle>
+          <a:p>
+            <a:endParaRPr kumimoji="1" lang="zh-CN" altLang="en-US"/>
+          </a:p>
+        </p:txBody>
+      </p:sp>
+      <p:sp>
+        <p:nvSpPr>
+          <p:cNvPr id="3" name="日期占位符 2"/>
+          <p:cNvSpPr>
+            <a:spLocks noGrp="1"/>
+          </p:cNvSpPr>
+          <p:nvPr>
+            <p:ph type="dt" idx="1"/>
+          </p:nvPr>
+        </p:nvSpPr>
+        <p:spPr>
+          <a:xfrm>
+            <a:off x="3884613" y="0"/>
+            <a:ext cx="2971800" cy="458788"/>
+          </a:xfrm>
+          <a:prstGeom prst="rect">
+            <a:avLst/>
+          </a:prstGeom>
+        </p:spPr>
+        <p:txBody>
+          <a:bodyPr vert="horz" lIns="91440" tIns="45720" rIns="91440" bIns="45720" rtlCol="0"/>
+          <a:lstStyle>
+            <a:lvl1pPr algn="r">
+              <a:defRPr sz="1200"/>
+            </a:lvl1pPr>
+          </a:lstStyle>
+          <a:p>
+            <a:fld id="{806B99BE-DE4B-CC49-986A-C4388B1CBFF7}" type="datetimeFigureOut">
+              <a:rPr kumimoji="1" lang="zh-CN" altLang="en-US" smtClean="0"/>
+              <a:t>2022/6/18</a:t>
+            </a:fld>
+            <a:endParaRPr kumimoji="1" lang="zh-CN" altLang="en-US"/>
+          </a:p>
+        </p:txBody>
+      </p:sp>
+      <p:sp>
+        <p:nvSpPr>
+          <p:cNvPr id="4" name="幻灯片图像占位符 3"/>
+          <p:cNvSpPr>
+            <a:spLocks noGrp="1" noRot="1" noChangeAspect="1"/>
+          </p:cNvSpPr>
+          <p:nvPr>
+            <p:ph type="sldImg" idx="2"/>
+          </p:nvPr>
+        </p:nvSpPr>
+        <p:spPr>
+          <a:xfrm>
+            <a:off x="685800" y="1143000"/>
+            <a:ext cx="5486400" cy="3086100"/>
+          </a:xfrm>
+          <a:prstGeom prst="rect">
+            <a:avLst/>
+          </a:prstGeom>
+          <a:noFill/>
+          <a:ln w="12700">
+            <a:solidFill>
+              <a:prstClr val="black"/>
+            </a:solidFill>
+          </a:ln>
+        </p:spPr>
+        <p:txBody>
+          <a:bodyPr vert="horz" lIns="91440" tIns="45720" rIns="91440" bIns="45720" rtlCol="0" anchor="ctr"/>
+          <a:lstStyle/>
+          <a:p>
+            <a:endParaRPr lang="zh-CN" altLang="en-US"/>
+          </a:p>
+        </p:txBody>
+      </p:sp>
+      <p:sp>
+        <p:nvSpPr>
+          <p:cNvPr id="5" name="备注占位符 4"/>
+          <p:cNvSpPr>
+            <a:spLocks noGrp="1"/>
+          </p:cNvSpPr>
+          <p:nvPr>
+            <p:ph type="body" sz="quarter" idx="3"/>
+          </p:nvPr>
+        </p:nvSpPr>
+        <p:spPr>
+          <a:xfrm>
+            <a:off x="685800" y="4400550"/>
+            <a:ext cx="5486400" cy="3600450"/>
+          </a:xfrm>
+          <a:prstGeom prst="rect">
+            <a:avLst/>
+          </a:prstGeom>
+        </p:spPr>
+        <p:txBody>
+          <a:bodyPr vert="horz" lIns="91440" tIns="45720" rIns="91440" bIns="45720" rtlCol="0"/>
+          <a:lstStyle/>
+          <a:p>
+            <a:pPr lvl="0"/>
+            <a:r>
+              <a:rPr kumimoji="1" lang="zh-CN" altLang="en-US"/>
+              <a:t>单击此处编辑母版文本样式</a:t>
+            </a:r>
+          </a:p>
+          <a:p>
+            <a:pPr lvl="1"/>
+            <a:r>
+              <a:rPr kumimoji="1" lang="zh-CN" altLang="en-US"/>
+              <a:t>二级</a:t>
+            </a:r>
+          </a:p>
+          <a:p>
+            <a:pPr lvl="2"/>
+            <a:r>
+              <a:rPr kumimoji="1" lang="zh-CN" altLang="en-US"/>
+              <a:t>三级</a:t>
+            </a:r>
+          </a:p>
+          <a:p>
+            <a:pPr lvl="3"/>
+            <a:r>
+              <a:rPr kumimoji="1" lang="zh-CN" altLang="en-US"/>
+              <a:t>四级</a:t>
+            </a:r>
+          </a:p>
+          <a:p>
+            <a:pPr lvl="4"/>
+            <a:r>
+              <a:rPr kumimoji="1" lang="zh-CN" altLang="en-US"/>
+              <a:t>五级</a:t>
+            </a:r>
+          </a:p>
+        </p:txBody>
+      </p:sp>
+      <p:sp>
+        <p:nvSpPr>
+          <p:cNvPr id="6" name="页脚占位符 5"/>
+          <p:cNvSpPr>
+            <a:spLocks noGrp="1"/>
+          </p:cNvSpPr>
+          <p:nvPr>
+            <p:ph type="ftr" sz="quarter" idx="4"/>
+          </p:nvPr>
+        </p:nvSpPr>
+        <p:spPr>
+          <a:xfrm>
+            <a:off x="0" y="8685213"/>
+            <a:ext cx="2971800" cy="458787"/>
+          </a:xfrm>
+          <a:prstGeom prst="rect">
+            <a:avLst/>
+          </a:prstGeom>
+        </p:spPr>
+        <p:txBody>
+          <a:bodyPr vert="horz" lIns="91440" tIns="45720" rIns="91440" bIns="45720" rtlCol="0" anchor="b"/>
+          <a:lstStyle>
+            <a:lvl1pPr algn="l">
+              <a:defRPr sz="1200"/>
+            </a:lvl1pPr>
+          </a:lstStyle>
+          <a:p>
+            <a:endParaRPr kumimoji="1" lang="zh-CN" altLang="en-US"/>
+          </a:p>
+        </p:txBody>
+      </p:sp>
+      <p:sp>
+        <p:nvSpPr>
+          <p:cNvPr id="7" name="灯片编号占位符 6"/>
+          <p:cNvSpPr>
+            <a:spLocks noGrp="1"/>
+          </p:cNvSpPr>
+          <p:nvPr>
+            <p:ph type="sldNum" sz="quarter" idx="5"/>
+          </p:nvPr>
+        </p:nvSpPr>
+        <p:spPr>
+          <a:xfrm>
+            <a:off x="3884613" y="8685213"/>
+            <a:ext cx="2971800" cy="458787"/>
+          </a:xfrm>
+          <a:prstGeom prst="rect">
+            <a:avLst/>
+          </a:prstGeom>
+        </p:spPr>
+        <p:txBody>
+          <a:bodyPr vert="horz" lIns="91440" tIns="45720" rIns="91440" bIns="45720" rtlCol="0" anchor="b"/>
+          <a:lstStyle>
+            <a:lvl1pPr algn="r">
+              <a:defRPr sz="1200"/>
+            </a:lvl1pPr>
+          </a:lstStyle>
+          <a:p>
+            <a:fld id="{9F6826D6-9286-B344-8560-A38678759C1F}" type="slidenum">
+              <a:rPr kumimoji="1" lang="zh-CN" altLang="en-US" smtClean="0"/>
+              <a:t>‹#›</a:t>
+            </a:fld>
+            <a:endParaRPr kumimoji="1" lang="zh-CN" altLang="en-US"/>
+          </a:p>
+        </p:txBody>
+      </p:sp>
+    </p:spTree>
+    <p:extLst>
+      <p:ext uri="{BB962C8B-B14F-4D97-AF65-F5344CB8AC3E}">
+        <p14:creationId xmlns:p14="http://schemas.microsoft.com/office/powerpoint/2010/main" val="2153052687"/>
+      </p:ext>
+    </p:extLst>
+  </p:cSld>
+  <p:clrMap bg1="lt1" tx1="dk1" bg2="lt2" tx2="dk2" accent1="accent1" accent2="accent2" accent3="accent3" accent4="accent4" accent5="accent5" accent6="accent6" hlink="hlink" folHlink="folHlink"/>
+  <p:notesStyle>
+    <a:lvl1pPr marL="0" algn="l" defTabSz="914400" rtl="0" eaLnBrk="1" latinLnBrk="0" hangingPunct="1">
+      <a:defRPr sz="1200" kern="1200">
+        <a:solidFill>
+          <a:schemeClr val="tx1"/>
+        </a:solidFill>
+        <a:latin typeface="+mn-lt"/>
+        <a:ea typeface="+mn-ea"/>
+        <a:cs typeface="+mn-cs"/>
+      </a:defRPr>
+    </a:lvl1pPr>
+    <a:lvl2pPr marL="457200" algn="l" defTabSz="914400" rtl="0" eaLnBrk="1" latinLnBrk="0" hangingPunct="1">
+      <a:defRPr sz="1200" kern="1200">
+        <a:solidFill>
+          <a:schemeClr val="tx1"/>
+        </a:solidFill>
+        <a:latin typeface="+mn-lt"/>
+        <a:ea typeface="+mn-ea"/>
+        <a:cs typeface="+mn-cs"/>
+      </a:defRPr>
+    </a:lvl2pPr>
+    <a:lvl3pPr marL="914400" algn="l" defTabSz="914400" rtl="0" eaLnBrk="1" latinLnBrk="0" hangingPunct="1">
+      <a:defRPr sz="1200" kern="1200">
+        <a:solidFill>
+          <a:schemeClr val="tx1"/>
+        </a:solidFill>
+        <a:latin typeface="+mn-lt"/>
+        <a:ea typeface="+mn-ea"/>
+        <a:cs typeface="+mn-cs"/>
+      </a:defRPr>
+    </a:lvl3pPr>
+    <a:lvl4pPr marL="1371600" algn="l" defTabSz="914400" rtl="0" eaLnBrk="1" latinLnBrk="0" hangingPunct="1">
+      <a:defRPr sz="1200" kern="1200">
+        <a:solidFill>
+          <a:schemeClr val="tx1"/>
+        </a:solidFill>
+        <a:latin typeface="+mn-lt"/>
+        <a:ea typeface="+mn-ea"/>
+        <a:cs typeface="+mn-cs"/>
+      </a:defRPr>
+    </a:lvl4pPr>
+    <a:lvl5pPr marL="1828800" algn="l" defTabSz="914400" rtl="0" eaLnBrk="1" latinLnBrk="0" hangingPunct="1">
+      <a:defRPr sz="1200" kern="1200">
+        <a:solidFill>
+          <a:schemeClr val="tx1"/>
+        </a:solidFill>
+        <a:latin typeface="+mn-lt"/>
+        <a:ea typeface="+mn-ea"/>
+        <a:cs typeface="+mn-cs"/>
+      </a:defRPr>
+    </a:lvl5pPr>
+    <a:lvl6pPr marL="2286000" algn="l" defTabSz="914400" rtl="0" eaLnBrk="1" latinLnBrk="0" hangingPunct="1">
+      <a:defRPr sz="1200" kern="1200">
+        <a:solidFill>
+          <a:schemeClr val="tx1"/>
+        </a:solidFill>
+        <a:latin typeface="+mn-lt"/>
+        <a:ea typeface="+mn-ea"/>
+        <a:cs typeface="+mn-cs"/>
+      </a:defRPr>
+    </a:lvl6pPr>
+    <a:lvl7pPr marL="2743200" algn="l" defTabSz="914400" rtl="0" eaLnBrk="1" latinLnBrk="0" hangingPunct="1">
+      <a:defRPr sz="1200" kern="1200">
+        <a:solidFill>
+          <a:schemeClr val="tx1"/>
+        </a:solidFill>
+        <a:latin typeface="+mn-lt"/>
+        <a:ea typeface="+mn-ea"/>
+        <a:cs typeface="+mn-cs"/>
+      </a:defRPr>
+    </a:lvl7pPr>
+    <a:lvl8pPr marL="3200400" algn="l" defTabSz="914400" rtl="0" eaLnBrk="1" latinLnBrk="0" hangingPunct="1">
+      <a:defRPr sz="1200" kern="1200">
+        <a:solidFill>
+          <a:schemeClr val="tx1"/>
+        </a:solidFill>
+        <a:latin typeface="+mn-lt"/>
+        <a:ea typeface="+mn-ea"/>
+        <a:cs typeface="+mn-cs"/>
+      </a:defRPr>
+    </a:lvl8pPr>
+    <a:lvl9pPr marL="3657600" algn="l" defTabSz="914400" rtl="0" eaLnBrk="1" latinLnBrk="0" hangingPunct="1">
+      <a:defRPr sz="1200" kern="1200">
+        <a:solidFill>
+          <a:schemeClr val="tx1"/>
+        </a:solidFill>
+        <a:latin typeface="+mn-lt"/>
+        <a:ea typeface="+mn-ea"/>
+        <a:cs typeface="+mn-cs"/>
+      </a:defRPr>
+    </a:lvl9pPr>
+  </p:notesStyle>
+</p:notesMaster>
+</file>
+
+<file path=ppt/notesSlides/notesSlide1.xml><?xml version="1.0" encoding="utf-8"?>
+<p:notes xmlns:a="http://schemas.openxmlformats.org/drawingml/2006/main" xmlns:r="http://schemas.openxmlformats.org/officeDocument/2006/relationships" xmlns:p="http://schemas.openxmlformats.org/presentationml/2006/main">
+  <p:cSld>
+    <p:spTree>
+      <p:nvGrpSpPr>
+        <p:cNvPr id="1" name=""/>
+        <p:cNvGrpSpPr/>
+        <p:nvPr/>
+      </p:nvGrpSpPr>
+      <p:grpSpPr>
+        <a:xfrm>
+          <a:off x="0" y="0"/>
+          <a:ext cx="0" cy="0"/>
+          <a:chOff x="0" y="0"/>
+          <a:chExt cx="0" cy="0"/>
+        </a:xfrm>
+      </p:grpSpPr>
+      <p:sp>
+        <p:nvSpPr>
+          <p:cNvPr id="2" name="幻灯片图像占位符 1"/>
+          <p:cNvSpPr>
+            <a:spLocks noGrp="1" noRot="1" noChangeAspect="1"/>
+          </p:cNvSpPr>
+          <p:nvPr>
+            <p:ph type="sldImg"/>
+          </p:nvPr>
+        </p:nvSpPr>
+        <p:spPr/>
+      </p:sp>
+      <p:sp>
+        <p:nvSpPr>
+          <p:cNvPr id="3" name="备注占位符 2"/>
+          <p:cNvSpPr>
+            <a:spLocks noGrp="1"/>
+          </p:cNvSpPr>
+          <p:nvPr>
+            <p:ph type="body" idx="1"/>
+          </p:nvPr>
+        </p:nvSpPr>
+        <p:spPr/>
+        <p:txBody>
+          <a:bodyPr/>
+          <a:lstStyle/>
+          <a:p>
+            <a:r>
+              <a:rPr kumimoji="1" lang="zh-CN" altLang="en-US" dirty="0"/>
+              <a:t>各位老师和同学，下午好。我们是第</a:t>
+            </a:r>
+            <a:r>
+              <a:rPr kumimoji="1" lang="en-US" altLang="zh-CN" dirty="0"/>
+              <a:t>12</a:t>
+            </a:r>
+            <a:r>
+              <a:rPr kumimoji="1" lang="zh-CN" altLang="en-US" dirty="0"/>
+              <a:t>小组，项目为在线文档工具</a:t>
+            </a:r>
+            <a:r>
+              <a:rPr kumimoji="1" lang="en-US" altLang="zh-CN" dirty="0"/>
+              <a:t>——</a:t>
+            </a:r>
+            <a:r>
+              <a:rPr kumimoji="1" lang="zh-CN" altLang="en-US" dirty="0"/>
+              <a:t>水源文档。我是答辩人倪祯旸</a:t>
+            </a:r>
+          </a:p>
+        </p:txBody>
+      </p:sp>
+      <p:sp>
+        <p:nvSpPr>
+          <p:cNvPr id="4" name="灯片编号占位符 3"/>
+          <p:cNvSpPr>
+            <a:spLocks noGrp="1"/>
+          </p:cNvSpPr>
+          <p:nvPr>
+            <p:ph type="sldNum" sz="quarter" idx="5"/>
+          </p:nvPr>
+        </p:nvSpPr>
+        <p:spPr/>
+        <p:txBody>
+          <a:bodyPr/>
+          <a:lstStyle/>
+          <a:p>
+            <a:fld id="{9F6826D6-9286-B344-8560-A38678759C1F}" type="slidenum">
+              <a:rPr kumimoji="1" lang="zh-CN" altLang="en-US" smtClean="0"/>
+              <a:t>1</a:t>
+            </a:fld>
+            <a:endParaRPr kumimoji="1" lang="zh-CN" altLang="en-US"/>
+          </a:p>
+        </p:txBody>
+      </p:sp>
+    </p:spTree>
+    <p:extLst>
+      <p:ext uri="{BB962C8B-B14F-4D97-AF65-F5344CB8AC3E}">
+        <p14:creationId xmlns:p14="http://schemas.microsoft.com/office/powerpoint/2010/main" val="3617062168"/>
+      </p:ext>
+    </p:extLst>
+  </p:cSld>
+  <p:clrMapOvr>
+    <a:masterClrMapping/>
+  </p:clrMapOvr>
+</p:notes>
+</file>
+
+<file path=ppt/notesSlides/notesSlide10.xml><?xml version="1.0" encoding="utf-8"?>
+<p:notes xmlns:a="http://schemas.openxmlformats.org/drawingml/2006/main" xmlns:r="http://schemas.openxmlformats.org/officeDocument/2006/relationships" xmlns:p="http://schemas.openxmlformats.org/presentationml/2006/main">
+  <p:cSld>
+    <p:spTree>
+      <p:nvGrpSpPr>
+        <p:cNvPr id="1" name=""/>
+        <p:cNvGrpSpPr/>
+        <p:nvPr/>
+      </p:nvGrpSpPr>
+      <p:grpSpPr>
+        <a:xfrm>
+          <a:off x="0" y="0"/>
+          <a:ext cx="0" cy="0"/>
+          <a:chOff x="0" y="0"/>
+          <a:chExt cx="0" cy="0"/>
+        </a:xfrm>
+      </p:grpSpPr>
+      <p:sp>
+        <p:nvSpPr>
+          <p:cNvPr id="2" name="幻灯片图像占位符 1"/>
+          <p:cNvSpPr>
+            <a:spLocks noGrp="1" noRot="1" noChangeAspect="1"/>
+          </p:cNvSpPr>
+          <p:nvPr>
+            <p:ph type="sldImg"/>
+          </p:nvPr>
+        </p:nvSpPr>
+        <p:spPr/>
+      </p:sp>
+      <p:sp>
+        <p:nvSpPr>
+          <p:cNvPr id="3" name="备注占位符 2"/>
+          <p:cNvSpPr>
+            <a:spLocks noGrp="1"/>
+          </p:cNvSpPr>
+          <p:nvPr>
+            <p:ph type="body" idx="1"/>
+          </p:nvPr>
+        </p:nvSpPr>
+        <p:spPr/>
+        <p:txBody>
+          <a:bodyPr/>
+          <a:lstStyle/>
+          <a:p>
+            <a:r>
+              <a:rPr kumimoji="1" lang="zh-CN" altLang="en-US" dirty="0"/>
+              <a:t>我们的遗憾是没有实现冲突解决的功能，算法设计部分已经完成，原计划采用在后端对增量操作编号和编辑单元格前拿锁的方法解决文档和表格的不一致性问题</a:t>
+            </a:r>
+            <a:endParaRPr kumimoji="1" lang="en-US" altLang="zh-CN" dirty="0"/>
+          </a:p>
+          <a:p>
+            <a:r>
+              <a:rPr kumimoji="1" lang="zh-CN" altLang="en-US" dirty="0"/>
+              <a:t>最后没有实现主要是因为前端组件的机制比较复杂，没有时间实现。我们的教训是对需求的优先级排序存在一定问题，没有很好地解决进度风险</a:t>
+            </a:r>
+          </a:p>
+        </p:txBody>
+      </p:sp>
+      <p:sp>
+        <p:nvSpPr>
+          <p:cNvPr id="4" name="灯片编号占位符 3"/>
+          <p:cNvSpPr>
+            <a:spLocks noGrp="1"/>
+          </p:cNvSpPr>
+          <p:nvPr>
+            <p:ph type="sldNum" sz="quarter" idx="5"/>
+          </p:nvPr>
+        </p:nvSpPr>
+        <p:spPr/>
+        <p:txBody>
+          <a:bodyPr/>
+          <a:lstStyle/>
+          <a:p>
+            <a:fld id="{9F6826D6-9286-B344-8560-A38678759C1F}" type="slidenum">
+              <a:rPr kumimoji="1" lang="zh-CN" altLang="en-US" smtClean="0"/>
+              <a:t>12</a:t>
+            </a:fld>
+            <a:endParaRPr kumimoji="1" lang="zh-CN" altLang="en-US"/>
+          </a:p>
+        </p:txBody>
+      </p:sp>
+    </p:spTree>
+    <p:extLst>
+      <p:ext uri="{BB962C8B-B14F-4D97-AF65-F5344CB8AC3E}">
+        <p14:creationId xmlns:p14="http://schemas.microsoft.com/office/powerpoint/2010/main" val="3798213222"/>
+      </p:ext>
+    </p:extLst>
+  </p:cSld>
+  <p:clrMapOvr>
+    <a:masterClrMapping/>
+  </p:clrMapOvr>
+</p:notes>
+</file>
+
+<file path=ppt/notesSlides/notesSlide11.xml><?xml version="1.0" encoding="utf-8"?>
+<p:notes xmlns:a="http://schemas.openxmlformats.org/drawingml/2006/main" xmlns:r="http://schemas.openxmlformats.org/officeDocument/2006/relationships" xmlns:p="http://schemas.openxmlformats.org/presentationml/2006/main">
+  <p:cSld>
+    <p:spTree>
+      <p:nvGrpSpPr>
+        <p:cNvPr id="1" name=""/>
+        <p:cNvGrpSpPr/>
+        <p:nvPr/>
+      </p:nvGrpSpPr>
+      <p:grpSpPr>
+        <a:xfrm>
+          <a:off x="0" y="0"/>
+          <a:ext cx="0" cy="0"/>
+          <a:chOff x="0" y="0"/>
+          <a:chExt cx="0" cy="0"/>
+        </a:xfrm>
+      </p:grpSpPr>
+      <p:sp>
+        <p:nvSpPr>
+          <p:cNvPr id="2" name="幻灯片图像占位符 1"/>
+          <p:cNvSpPr>
+            <a:spLocks noGrp="1" noRot="1" noChangeAspect="1"/>
+          </p:cNvSpPr>
+          <p:nvPr>
+            <p:ph type="sldImg"/>
+          </p:nvPr>
+        </p:nvSpPr>
+        <p:spPr/>
+      </p:sp>
+      <p:sp>
+        <p:nvSpPr>
+          <p:cNvPr id="3" name="备注占位符 2"/>
+          <p:cNvSpPr>
+            <a:spLocks noGrp="1"/>
+          </p:cNvSpPr>
+          <p:nvPr>
+            <p:ph type="body" idx="1"/>
+          </p:nvPr>
+        </p:nvSpPr>
+        <p:spPr/>
+        <p:txBody>
+          <a:bodyPr/>
+          <a:lstStyle/>
+          <a:p>
+            <a:endParaRPr kumimoji="1" lang="zh-CN" altLang="en-US" dirty="0"/>
+          </a:p>
+        </p:txBody>
+      </p:sp>
+      <p:sp>
+        <p:nvSpPr>
+          <p:cNvPr id="4" name="灯片编号占位符 3"/>
+          <p:cNvSpPr>
+            <a:spLocks noGrp="1"/>
+          </p:cNvSpPr>
+          <p:nvPr>
+            <p:ph type="sldNum" sz="quarter" idx="5"/>
+          </p:nvPr>
+        </p:nvSpPr>
+        <p:spPr/>
+        <p:txBody>
+          <a:bodyPr/>
+          <a:lstStyle/>
+          <a:p>
+            <a:fld id="{9F6826D6-9286-B344-8560-A38678759C1F}" type="slidenum">
+              <a:rPr kumimoji="1" lang="zh-CN" altLang="en-US" smtClean="0"/>
+              <a:t>14</a:t>
+            </a:fld>
+            <a:endParaRPr kumimoji="1" lang="zh-CN" altLang="en-US"/>
+          </a:p>
+        </p:txBody>
+      </p:sp>
+    </p:spTree>
+    <p:extLst>
+      <p:ext uri="{BB962C8B-B14F-4D97-AF65-F5344CB8AC3E}">
+        <p14:creationId xmlns:p14="http://schemas.microsoft.com/office/powerpoint/2010/main" val="998614772"/>
+      </p:ext>
+    </p:extLst>
+  </p:cSld>
+  <p:clrMapOvr>
+    <a:masterClrMapping/>
+  </p:clrMapOvr>
+</p:notes>
+</file>
+
+<file path=ppt/notesSlides/notesSlide2.xml><?xml version="1.0" encoding="utf-8"?>
+<p:notes xmlns:a="http://schemas.openxmlformats.org/drawingml/2006/main" xmlns:r="http://schemas.openxmlformats.org/officeDocument/2006/relationships" xmlns:p="http://schemas.openxmlformats.org/presentationml/2006/main">
+  <p:cSld>
+    <p:spTree>
+      <p:nvGrpSpPr>
+        <p:cNvPr id="1" name=""/>
+        <p:cNvGrpSpPr/>
+        <p:nvPr/>
+      </p:nvGrpSpPr>
+      <p:grpSpPr>
+        <a:xfrm>
+          <a:off x="0" y="0"/>
+          <a:ext cx="0" cy="0"/>
+          <a:chOff x="0" y="0"/>
+          <a:chExt cx="0" cy="0"/>
+        </a:xfrm>
+      </p:grpSpPr>
+      <p:sp>
+        <p:nvSpPr>
+          <p:cNvPr id="2" name="幻灯片图像占位符 1"/>
+          <p:cNvSpPr>
+            <a:spLocks noGrp="1" noRot="1" noChangeAspect="1"/>
+          </p:cNvSpPr>
+          <p:nvPr>
+            <p:ph type="sldImg"/>
+          </p:nvPr>
+        </p:nvSpPr>
+        <p:spPr/>
+      </p:sp>
+      <p:sp>
+        <p:nvSpPr>
+          <p:cNvPr id="3" name="备注占位符 2"/>
+          <p:cNvSpPr>
+            <a:spLocks noGrp="1"/>
+          </p:cNvSpPr>
+          <p:nvPr>
+            <p:ph type="body" idx="1"/>
+          </p:nvPr>
+        </p:nvSpPr>
+        <p:spPr/>
+        <p:txBody>
+          <a:bodyPr/>
+          <a:lstStyle/>
+          <a:p>
+            <a:r>
+              <a:rPr kumimoji="1" lang="zh-CN" altLang="en-US" dirty="0"/>
+              <a:t>我将分</a:t>
+            </a:r>
+            <a:r>
+              <a:rPr kumimoji="1" lang="en-US" altLang="zh-CN" dirty="0"/>
+              <a:t>5</a:t>
+            </a:r>
+            <a:r>
+              <a:rPr kumimoji="1" lang="zh-CN" altLang="en-US" dirty="0"/>
+              <a:t>个部分介绍我们小组</a:t>
+            </a:r>
+          </a:p>
+        </p:txBody>
+      </p:sp>
+      <p:sp>
+        <p:nvSpPr>
+          <p:cNvPr id="4" name="灯片编号占位符 3"/>
+          <p:cNvSpPr>
+            <a:spLocks noGrp="1"/>
+          </p:cNvSpPr>
+          <p:nvPr>
+            <p:ph type="sldNum" sz="quarter" idx="5"/>
+          </p:nvPr>
+        </p:nvSpPr>
+        <p:spPr/>
+        <p:txBody>
+          <a:bodyPr/>
+          <a:lstStyle/>
+          <a:p>
+            <a:fld id="{9F6826D6-9286-B344-8560-A38678759C1F}" type="slidenum">
+              <a:rPr kumimoji="1" lang="zh-CN" altLang="en-US" smtClean="0"/>
+              <a:t>2</a:t>
+            </a:fld>
+            <a:endParaRPr kumimoji="1" lang="zh-CN" altLang="en-US"/>
+          </a:p>
+        </p:txBody>
+      </p:sp>
+    </p:spTree>
+    <p:extLst>
+      <p:ext uri="{BB962C8B-B14F-4D97-AF65-F5344CB8AC3E}">
+        <p14:creationId xmlns:p14="http://schemas.microsoft.com/office/powerpoint/2010/main" val="328486410"/>
+      </p:ext>
+    </p:extLst>
+  </p:cSld>
+  <p:clrMapOvr>
+    <a:masterClrMapping/>
+  </p:clrMapOvr>
+</p:notes>
+</file>
+
+<file path=ppt/notesSlides/notesSlide3.xml><?xml version="1.0" encoding="utf-8"?>
+<p:notes xmlns:a="http://schemas.openxmlformats.org/drawingml/2006/main" xmlns:r="http://schemas.openxmlformats.org/officeDocument/2006/relationships" xmlns:p="http://schemas.openxmlformats.org/presentationml/2006/main">
+  <p:cSld>
+    <p:spTree>
+      <p:nvGrpSpPr>
+        <p:cNvPr id="1" name=""/>
+        <p:cNvGrpSpPr/>
+        <p:nvPr/>
+      </p:nvGrpSpPr>
+      <p:grpSpPr>
+        <a:xfrm>
+          <a:off x="0" y="0"/>
+          <a:ext cx="0" cy="0"/>
+          <a:chOff x="0" y="0"/>
+          <a:chExt cx="0" cy="0"/>
+        </a:xfrm>
+      </p:grpSpPr>
+      <p:sp>
+        <p:nvSpPr>
+          <p:cNvPr id="2" name="幻灯片图像占位符 1"/>
+          <p:cNvSpPr>
+            <a:spLocks noGrp="1" noRot="1" noChangeAspect="1"/>
+          </p:cNvSpPr>
+          <p:nvPr>
+            <p:ph type="sldImg"/>
+          </p:nvPr>
+        </p:nvSpPr>
+        <p:spPr/>
+      </p:sp>
+      <p:sp>
+        <p:nvSpPr>
+          <p:cNvPr id="3" name="备注占位符 2"/>
+          <p:cNvSpPr>
+            <a:spLocks noGrp="1"/>
+          </p:cNvSpPr>
+          <p:nvPr>
+            <p:ph type="body" idx="1"/>
+          </p:nvPr>
+        </p:nvSpPr>
+        <p:spPr/>
+        <p:txBody>
+          <a:bodyPr/>
+          <a:lstStyle/>
+          <a:p>
+            <a:r>
+              <a:rPr kumimoji="1" lang="zh-CN" altLang="en-US" dirty="0"/>
+              <a:t>首先介绍一下项目的整体完成情况。我们实现了文档编辑，在线协作，团队管理，网络故障处理，生成</a:t>
+            </a:r>
+            <a:r>
+              <a:rPr kumimoji="1" lang="en-US" altLang="zh-CN" dirty="0"/>
+              <a:t>pdf</a:t>
+            </a:r>
+            <a:r>
+              <a:rPr kumimoji="1" lang="zh-CN" altLang="en-US" dirty="0"/>
+              <a:t>文件等需求，还额外实现了文档模版，导出</a:t>
+            </a:r>
+            <a:r>
+              <a:rPr kumimoji="1" lang="en-US" altLang="zh-CN" dirty="0"/>
+              <a:t>excel</a:t>
+            </a:r>
+            <a:r>
+              <a:rPr kumimoji="1" lang="zh-CN" altLang="en-US" dirty="0"/>
+              <a:t>表格功能，为了实现网络故障处理功能还将项目后端部署在了阿里云上</a:t>
+            </a:r>
+            <a:endParaRPr kumimoji="1" lang="en-US" altLang="zh-CN" dirty="0"/>
+          </a:p>
+          <a:p>
+            <a:pPr marL="0" marR="0" lvl="0" indent="0" algn="l" defTabSz="914400" rtl="0" eaLnBrk="1" fontAlgn="auto" latinLnBrk="0" hangingPunct="1">
+              <a:lnSpc>
+                <a:spcPct val="100000"/>
+              </a:lnSpc>
+              <a:spcBef>
+                <a:spcPts val="0"/>
+              </a:spcBef>
+              <a:spcAft>
+                <a:spcPts val="0"/>
+              </a:spcAft>
+              <a:buClrTx/>
+              <a:buSzTx/>
+              <a:buFontTx/>
+              <a:buNone/>
+              <a:tabLst/>
+              <a:defRPr/>
+            </a:pPr>
+            <a:r>
+              <a:rPr kumimoji="1" lang="zh-CN" altLang="en-US" dirty="0"/>
+              <a:t>我们自行编写了脚本对协同编辑的性能进行了测试，在后端部署在本地的情况下</a:t>
+            </a:r>
+            <a:r>
+              <a:rPr kumimoji="1" lang="en-US" altLang="zh-CN" dirty="0"/>
+              <a:t>3</a:t>
+            </a:r>
+            <a:r>
+              <a:rPr kumimoji="1" lang="zh-CN" altLang="en-US" dirty="0"/>
+              <a:t>文档</a:t>
+            </a:r>
+            <a:r>
+              <a:rPr kumimoji="1" lang="en-US" altLang="zh-CN" dirty="0"/>
+              <a:t>5</a:t>
+            </a:r>
+            <a:r>
+              <a:rPr kumimoji="1" lang="zh-CN" altLang="en-US" dirty="0"/>
+              <a:t>人协作的响应时间为</a:t>
+            </a:r>
+            <a:r>
+              <a:rPr kumimoji="1" lang="en-US" altLang="zh-CN" dirty="0"/>
+              <a:t>25ms</a:t>
+            </a:r>
+            <a:r>
+              <a:rPr kumimoji="1" lang="zh-CN" altLang="en-US" dirty="0"/>
+              <a:t>，</a:t>
+            </a:r>
+            <a:r>
+              <a:rPr kumimoji="1" lang="en-US" altLang="zh-CN" dirty="0"/>
+              <a:t>10</a:t>
+            </a:r>
+            <a:r>
+              <a:rPr kumimoji="1" lang="zh-CN" altLang="en-US" dirty="0"/>
+              <a:t>文档</a:t>
+            </a:r>
+            <a:r>
+              <a:rPr kumimoji="1" lang="en-US" altLang="zh-CN" dirty="0"/>
+              <a:t>10</a:t>
+            </a:r>
+            <a:r>
+              <a:rPr kumimoji="1" lang="zh-CN" altLang="en-US" dirty="0"/>
+              <a:t>人编辑的响应时间为</a:t>
+            </a:r>
+            <a:r>
+              <a:rPr kumimoji="1" lang="en-US" altLang="zh-CN" dirty="0"/>
+              <a:t>66ms</a:t>
+            </a:r>
+            <a:r>
+              <a:rPr kumimoji="1" lang="zh-CN" altLang="en-US" dirty="0"/>
+              <a:t>，在后端部署在云端的情况下</a:t>
+            </a:r>
+            <a:r>
+              <a:rPr kumimoji="1" lang="en-US" altLang="zh-CN" dirty="0"/>
+              <a:t>3</a:t>
+            </a:r>
+            <a:r>
+              <a:rPr kumimoji="1" lang="zh-CN" altLang="en-US" dirty="0"/>
+              <a:t>文档</a:t>
+            </a:r>
+            <a:r>
+              <a:rPr kumimoji="1" lang="en-US" altLang="zh-CN" dirty="0"/>
+              <a:t>5</a:t>
+            </a:r>
+            <a:r>
+              <a:rPr kumimoji="1" lang="zh-CN" altLang="en-US" dirty="0"/>
+              <a:t>人协作的响应时间为</a:t>
+            </a:r>
+            <a:r>
+              <a:rPr kumimoji="1" lang="en-US" altLang="zh-CN" dirty="0"/>
+              <a:t>99ms</a:t>
+            </a:r>
+            <a:r>
+              <a:rPr kumimoji="1" lang="zh-CN" altLang="en-US" dirty="0"/>
+              <a:t>，由于一些未知的原因云服务器端的</a:t>
+            </a:r>
+            <a:r>
+              <a:rPr kumimoji="1" lang="en-US" altLang="zh-CN" dirty="0" err="1"/>
+              <a:t>websocket</a:t>
+            </a:r>
+            <a:r>
+              <a:rPr kumimoji="1" lang="zh-CN" altLang="en-US" dirty="0"/>
+              <a:t>连接只能建立</a:t>
+            </a:r>
+            <a:r>
+              <a:rPr kumimoji="1" lang="en-US" altLang="zh-CN" dirty="0"/>
+              <a:t>30</a:t>
+            </a:r>
+            <a:r>
+              <a:rPr kumimoji="1" lang="zh-CN" altLang="en-US" dirty="0"/>
+              <a:t>个，因此</a:t>
+            </a:r>
+            <a:r>
+              <a:rPr kumimoji="1" lang="en-US" altLang="zh-CN" dirty="0"/>
+              <a:t>10</a:t>
+            </a:r>
+            <a:r>
+              <a:rPr kumimoji="1" lang="zh-CN" altLang="en-US" dirty="0"/>
+              <a:t>文档</a:t>
+            </a:r>
+            <a:r>
+              <a:rPr kumimoji="1" lang="en-US" altLang="zh-CN" dirty="0"/>
+              <a:t>10</a:t>
+            </a:r>
+            <a:r>
+              <a:rPr kumimoji="1" lang="zh-CN" altLang="en-US" dirty="0"/>
+              <a:t>人编辑的情况没有测试。根据测试结果，我们认为我们的项目满足了两个并发性的需求，项目整体完成度极高</a:t>
+            </a:r>
+            <a:endParaRPr kumimoji="1" lang="en-US" altLang="zh-CN" dirty="0"/>
+          </a:p>
+          <a:p>
+            <a:endParaRPr kumimoji="1" lang="zh-CN" altLang="en-US" dirty="0"/>
+          </a:p>
+        </p:txBody>
+      </p:sp>
+      <p:sp>
+        <p:nvSpPr>
+          <p:cNvPr id="4" name="灯片编号占位符 3"/>
+          <p:cNvSpPr>
+            <a:spLocks noGrp="1"/>
+          </p:cNvSpPr>
+          <p:nvPr>
+            <p:ph type="sldNum" sz="quarter" idx="5"/>
+          </p:nvPr>
+        </p:nvSpPr>
+        <p:spPr/>
+        <p:txBody>
+          <a:bodyPr/>
+          <a:lstStyle/>
+          <a:p>
+            <a:fld id="{9F6826D6-9286-B344-8560-A38678759C1F}" type="slidenum">
+              <a:rPr kumimoji="1" lang="zh-CN" altLang="en-US" smtClean="0"/>
+              <a:t>3</a:t>
+            </a:fld>
+            <a:endParaRPr kumimoji="1" lang="zh-CN" altLang="en-US"/>
+          </a:p>
+        </p:txBody>
+      </p:sp>
+    </p:spTree>
+    <p:extLst>
+      <p:ext uri="{BB962C8B-B14F-4D97-AF65-F5344CB8AC3E}">
+        <p14:creationId xmlns:p14="http://schemas.microsoft.com/office/powerpoint/2010/main" val="2801000745"/>
+      </p:ext>
+    </p:extLst>
+  </p:cSld>
+  <p:clrMapOvr>
+    <a:masterClrMapping/>
+  </p:clrMapOvr>
+</p:notes>
+</file>
+
+<file path=ppt/notesSlides/notesSlide4.xml><?xml version="1.0" encoding="utf-8"?>
+<p:notes xmlns:a="http://schemas.openxmlformats.org/drawingml/2006/main" xmlns:r="http://schemas.openxmlformats.org/officeDocument/2006/relationships" xmlns:p="http://schemas.openxmlformats.org/presentationml/2006/main">
+  <p:cSld>
+    <p:spTree>
+      <p:nvGrpSpPr>
+        <p:cNvPr id="1" name=""/>
+        <p:cNvGrpSpPr/>
+        <p:nvPr/>
+      </p:nvGrpSpPr>
+      <p:grpSpPr>
+        <a:xfrm>
+          <a:off x="0" y="0"/>
+          <a:ext cx="0" cy="0"/>
+          <a:chOff x="0" y="0"/>
+          <a:chExt cx="0" cy="0"/>
+        </a:xfrm>
+      </p:grpSpPr>
+      <p:sp>
+        <p:nvSpPr>
+          <p:cNvPr id="2" name="幻灯片图像占位符 1"/>
+          <p:cNvSpPr>
+            <a:spLocks noGrp="1" noRot="1" noChangeAspect="1"/>
+          </p:cNvSpPr>
+          <p:nvPr>
+            <p:ph type="sldImg"/>
+          </p:nvPr>
+        </p:nvSpPr>
+        <p:spPr/>
+      </p:sp>
+      <p:sp>
+        <p:nvSpPr>
+          <p:cNvPr id="3" name="备注占位符 2"/>
+          <p:cNvSpPr>
+            <a:spLocks noGrp="1"/>
+          </p:cNvSpPr>
+          <p:nvPr>
+            <p:ph type="body" idx="1"/>
+          </p:nvPr>
+        </p:nvSpPr>
+        <p:spPr/>
+        <p:txBody>
+          <a:bodyPr/>
+          <a:lstStyle/>
+          <a:p>
+            <a:r>
+              <a:rPr kumimoji="1" lang="zh-CN" altLang="en-US" dirty="0"/>
+              <a:t>我们前端使用了</a:t>
+            </a:r>
+            <a:r>
+              <a:rPr kumimoji="1" lang="en-US" altLang="zh-CN" dirty="0" err="1"/>
+              <a:t>vue</a:t>
+            </a:r>
+            <a:r>
+              <a:rPr kumimoji="1" lang="zh-CN" altLang="en-US" dirty="0"/>
+              <a:t>框架，文档界面使用了</a:t>
+            </a:r>
+            <a:r>
+              <a:rPr kumimoji="1" lang="en-US" altLang="zh-CN" dirty="0"/>
+              <a:t>quill</a:t>
+            </a:r>
+            <a:r>
+              <a:rPr kumimoji="1" lang="zh-CN" altLang="en-US" dirty="0"/>
+              <a:t>这个富文本编辑器，表格界面使用了</a:t>
+            </a:r>
+            <a:r>
+              <a:rPr kumimoji="1" lang="en-US" altLang="zh-CN" dirty="0" err="1"/>
+              <a:t>luckysheet</a:t>
+            </a:r>
+            <a:r>
+              <a:rPr kumimoji="1" lang="zh-CN" altLang="en-US" dirty="0"/>
+              <a:t>组件</a:t>
+            </a:r>
+            <a:endParaRPr kumimoji="1" lang="en-US" altLang="zh-CN" dirty="0"/>
+          </a:p>
+          <a:p>
+            <a:r>
+              <a:rPr kumimoji="1" lang="zh-CN" altLang="en-US" dirty="0"/>
+              <a:t>后端使用了</a:t>
+            </a:r>
+            <a:r>
+              <a:rPr kumimoji="1" lang="en-US" altLang="zh-CN" dirty="0" err="1"/>
+              <a:t>springboot</a:t>
+            </a:r>
+            <a:r>
+              <a:rPr kumimoji="1" lang="zh-CN" altLang="en-US" dirty="0"/>
+              <a:t>框架，</a:t>
+            </a:r>
+            <a:r>
+              <a:rPr kumimoji="1" lang="en-US" altLang="zh-CN" dirty="0"/>
+              <a:t>o-r</a:t>
+            </a:r>
+            <a:r>
+              <a:rPr kumimoji="1" lang="zh-CN" altLang="en-US" dirty="0"/>
+              <a:t>映射和持久化使用了</a:t>
+            </a:r>
+            <a:r>
+              <a:rPr kumimoji="1" lang="en-US" altLang="zh-CN" dirty="0" err="1"/>
+              <a:t>hibernet</a:t>
+            </a:r>
+            <a:endParaRPr kumimoji="1" lang="en-US" altLang="zh-CN" dirty="0"/>
+          </a:p>
+          <a:p>
+            <a:r>
+              <a:rPr kumimoji="1" lang="zh-CN" altLang="en-US" dirty="0"/>
+              <a:t>数据库使用了关系型数据库</a:t>
+            </a:r>
+            <a:r>
+              <a:rPr kumimoji="1" lang="en-US" altLang="zh-CN" dirty="0" err="1"/>
+              <a:t>mysql</a:t>
+            </a:r>
+            <a:r>
+              <a:rPr kumimoji="1" lang="zh-CN" altLang="en-US" dirty="0"/>
+              <a:t>和文档型数据库</a:t>
+            </a:r>
+            <a:r>
+              <a:rPr kumimoji="1" lang="en-US" altLang="zh-CN" dirty="0" err="1"/>
+              <a:t>mongodb</a:t>
+            </a:r>
+            <a:endParaRPr kumimoji="1" lang="en-US" altLang="zh-CN" dirty="0"/>
+          </a:p>
+          <a:p>
+            <a:r>
+              <a:rPr kumimoji="1" lang="zh-CN" altLang="en-US" dirty="0"/>
+              <a:t>网络通信使用了</a:t>
+            </a:r>
+            <a:r>
+              <a:rPr kumimoji="1" lang="en-US" altLang="zh-CN" dirty="0" err="1"/>
+              <a:t>axios</a:t>
+            </a:r>
+            <a:r>
+              <a:rPr kumimoji="1" lang="zh-CN" altLang="en-US" dirty="0"/>
+              <a:t>包发送</a:t>
+            </a:r>
+            <a:r>
+              <a:rPr kumimoji="1" lang="en-US" altLang="zh-CN" dirty="0"/>
+              <a:t>http</a:t>
+            </a:r>
+            <a:r>
+              <a:rPr kumimoji="1" lang="zh-CN" altLang="en-US" dirty="0"/>
+              <a:t>请求和</a:t>
+            </a:r>
+            <a:r>
+              <a:rPr kumimoji="1" lang="en-US" altLang="zh-CN" dirty="0" err="1"/>
+              <a:t>websocket</a:t>
+            </a:r>
+            <a:endParaRPr kumimoji="1" lang="en-US" altLang="zh-CN" dirty="0"/>
+          </a:p>
+        </p:txBody>
+      </p:sp>
+      <p:sp>
+        <p:nvSpPr>
+          <p:cNvPr id="4" name="灯片编号占位符 3"/>
+          <p:cNvSpPr>
+            <a:spLocks noGrp="1"/>
+          </p:cNvSpPr>
+          <p:nvPr>
+            <p:ph type="sldNum" sz="quarter" idx="5"/>
+          </p:nvPr>
+        </p:nvSpPr>
+        <p:spPr/>
+        <p:txBody>
+          <a:bodyPr/>
+          <a:lstStyle/>
+          <a:p>
+            <a:fld id="{9F6826D6-9286-B344-8560-A38678759C1F}" type="slidenum">
+              <a:rPr kumimoji="1" lang="zh-CN" altLang="en-US" smtClean="0"/>
+              <a:t>5</a:t>
+            </a:fld>
+            <a:endParaRPr kumimoji="1" lang="zh-CN" altLang="en-US"/>
+          </a:p>
+        </p:txBody>
+      </p:sp>
+    </p:spTree>
+    <p:extLst>
+      <p:ext uri="{BB962C8B-B14F-4D97-AF65-F5344CB8AC3E}">
+        <p14:creationId xmlns:p14="http://schemas.microsoft.com/office/powerpoint/2010/main" val="4090608996"/>
+      </p:ext>
+    </p:extLst>
+  </p:cSld>
+  <p:clrMapOvr>
+    <a:masterClrMapping/>
+  </p:clrMapOvr>
+</p:notes>
+</file>
+
+<file path=ppt/notesSlides/notesSlide5.xml><?xml version="1.0" encoding="utf-8"?>
+<p:notes xmlns:a="http://schemas.openxmlformats.org/drawingml/2006/main" xmlns:r="http://schemas.openxmlformats.org/officeDocument/2006/relationships" xmlns:p="http://schemas.openxmlformats.org/presentationml/2006/main">
+  <p:cSld>
+    <p:spTree>
+      <p:nvGrpSpPr>
+        <p:cNvPr id="1" name=""/>
+        <p:cNvGrpSpPr/>
+        <p:nvPr/>
+      </p:nvGrpSpPr>
+      <p:grpSpPr>
+        <a:xfrm>
+          <a:off x="0" y="0"/>
+          <a:ext cx="0" cy="0"/>
+          <a:chOff x="0" y="0"/>
+          <a:chExt cx="0" cy="0"/>
+        </a:xfrm>
+      </p:grpSpPr>
+      <p:sp>
+        <p:nvSpPr>
+          <p:cNvPr id="2" name="幻灯片图像占位符 1"/>
+          <p:cNvSpPr>
+            <a:spLocks noGrp="1" noRot="1" noChangeAspect="1"/>
+          </p:cNvSpPr>
+          <p:nvPr>
+            <p:ph type="sldImg"/>
+          </p:nvPr>
+        </p:nvSpPr>
+        <p:spPr/>
+      </p:sp>
+      <p:sp>
+        <p:nvSpPr>
+          <p:cNvPr id="3" name="备注占位符 2"/>
+          <p:cNvSpPr>
+            <a:spLocks noGrp="1"/>
+          </p:cNvSpPr>
+          <p:nvPr>
+            <p:ph type="body" idx="1"/>
+          </p:nvPr>
+        </p:nvSpPr>
+        <p:spPr/>
+        <p:txBody>
+          <a:bodyPr/>
+          <a:lstStyle/>
+          <a:p>
+            <a:r>
+              <a:rPr kumimoji="1" lang="zh-CN" altLang="en-US" dirty="0"/>
+              <a:t>这是我们项目的数据库设计 账户和文档两个实体类之间是多对多的关系，他们之间的关系有三种，文档由多个文档编辑记录组成，因为编辑记录可能包括图片这样的大文件，文档和表格的编辑记录格式长度差距也很大，因此采用文档型数据库来存储</a:t>
+            </a:r>
+          </a:p>
+        </p:txBody>
+      </p:sp>
+      <p:sp>
+        <p:nvSpPr>
+          <p:cNvPr id="4" name="灯片编号占位符 3"/>
+          <p:cNvSpPr>
+            <a:spLocks noGrp="1"/>
+          </p:cNvSpPr>
+          <p:nvPr>
+            <p:ph type="sldNum" sz="quarter" idx="5"/>
+          </p:nvPr>
+        </p:nvSpPr>
+        <p:spPr/>
+        <p:txBody>
+          <a:bodyPr/>
+          <a:lstStyle/>
+          <a:p>
+            <a:fld id="{9F6826D6-9286-B344-8560-A38678759C1F}" type="slidenum">
+              <a:rPr kumimoji="1" lang="zh-CN" altLang="en-US" smtClean="0"/>
+              <a:t>6</a:t>
+            </a:fld>
+            <a:endParaRPr kumimoji="1" lang="zh-CN" altLang="en-US"/>
+          </a:p>
+        </p:txBody>
+      </p:sp>
+    </p:spTree>
+    <p:extLst>
+      <p:ext uri="{BB962C8B-B14F-4D97-AF65-F5344CB8AC3E}">
+        <p14:creationId xmlns:p14="http://schemas.microsoft.com/office/powerpoint/2010/main" val="3906342854"/>
+      </p:ext>
+    </p:extLst>
+  </p:cSld>
+  <p:clrMapOvr>
+    <a:masterClrMapping/>
+  </p:clrMapOvr>
+</p:notes>
+</file>
+
+<file path=ppt/notesSlides/notesSlide6.xml><?xml version="1.0" encoding="utf-8"?>
+<p:notes xmlns:a="http://schemas.openxmlformats.org/drawingml/2006/main" xmlns:r="http://schemas.openxmlformats.org/officeDocument/2006/relationships" xmlns:p="http://schemas.openxmlformats.org/presentationml/2006/main">
+  <p:cSld>
+    <p:spTree>
+      <p:nvGrpSpPr>
+        <p:cNvPr id="1" name=""/>
+        <p:cNvGrpSpPr/>
+        <p:nvPr/>
+      </p:nvGrpSpPr>
+      <p:grpSpPr>
+        <a:xfrm>
+          <a:off x="0" y="0"/>
+          <a:ext cx="0" cy="0"/>
+          <a:chOff x="0" y="0"/>
+          <a:chExt cx="0" cy="0"/>
+        </a:xfrm>
+      </p:grpSpPr>
+      <p:sp>
+        <p:nvSpPr>
+          <p:cNvPr id="2" name="幻灯片图像占位符 1"/>
+          <p:cNvSpPr>
+            <a:spLocks noGrp="1" noRot="1" noChangeAspect="1"/>
+          </p:cNvSpPr>
+          <p:nvPr>
+            <p:ph type="sldImg"/>
+          </p:nvPr>
+        </p:nvSpPr>
+        <p:spPr/>
+      </p:sp>
+      <p:sp>
+        <p:nvSpPr>
+          <p:cNvPr id="3" name="备注占位符 2"/>
+          <p:cNvSpPr>
+            <a:spLocks noGrp="1"/>
+          </p:cNvSpPr>
+          <p:nvPr>
+            <p:ph type="body" idx="1"/>
+          </p:nvPr>
+        </p:nvSpPr>
+        <p:spPr/>
+        <p:txBody>
+          <a:bodyPr/>
+          <a:lstStyle/>
+          <a:p>
+            <a:endParaRPr kumimoji="1" lang="zh-CN" altLang="en-US" dirty="0"/>
+          </a:p>
+        </p:txBody>
+      </p:sp>
+      <p:sp>
+        <p:nvSpPr>
+          <p:cNvPr id="4" name="灯片编号占位符 3"/>
+          <p:cNvSpPr>
+            <a:spLocks noGrp="1"/>
+          </p:cNvSpPr>
+          <p:nvPr>
+            <p:ph type="sldNum" sz="quarter" idx="5"/>
+          </p:nvPr>
+        </p:nvSpPr>
+        <p:spPr/>
+        <p:txBody>
+          <a:bodyPr/>
+          <a:lstStyle/>
+          <a:p>
+            <a:fld id="{9F6826D6-9286-B344-8560-A38678759C1F}" type="slidenum">
+              <a:rPr kumimoji="1" lang="zh-CN" altLang="en-US" smtClean="0"/>
+              <a:t>7</a:t>
+            </a:fld>
+            <a:endParaRPr kumimoji="1" lang="zh-CN" altLang="en-US"/>
+          </a:p>
+        </p:txBody>
+      </p:sp>
+    </p:spTree>
+    <p:extLst>
+      <p:ext uri="{BB962C8B-B14F-4D97-AF65-F5344CB8AC3E}">
+        <p14:creationId xmlns:p14="http://schemas.microsoft.com/office/powerpoint/2010/main" val="203911997"/>
+      </p:ext>
+    </p:extLst>
+  </p:cSld>
+  <p:clrMapOvr>
+    <a:masterClrMapping/>
+  </p:clrMapOvr>
+</p:notes>
+</file>
+
+<file path=ppt/notesSlides/notesSlide7.xml><?xml version="1.0" encoding="utf-8"?>
+<p:notes xmlns:a="http://schemas.openxmlformats.org/drawingml/2006/main" xmlns:r="http://schemas.openxmlformats.org/officeDocument/2006/relationships" xmlns:p="http://schemas.openxmlformats.org/presentationml/2006/main">
+  <p:cSld>
+    <p:spTree>
+      <p:nvGrpSpPr>
+        <p:cNvPr id="1" name=""/>
+        <p:cNvGrpSpPr/>
+        <p:nvPr/>
+      </p:nvGrpSpPr>
+      <p:grpSpPr>
+        <a:xfrm>
+          <a:off x="0" y="0"/>
+          <a:ext cx="0" cy="0"/>
+          <a:chOff x="0" y="0"/>
+          <a:chExt cx="0" cy="0"/>
+        </a:xfrm>
+      </p:grpSpPr>
+      <p:sp>
+        <p:nvSpPr>
+          <p:cNvPr id="2" name="幻灯片图像占位符 1"/>
+          <p:cNvSpPr>
+            <a:spLocks noGrp="1" noRot="1" noChangeAspect="1"/>
+          </p:cNvSpPr>
+          <p:nvPr>
+            <p:ph type="sldImg"/>
+          </p:nvPr>
+        </p:nvSpPr>
+        <p:spPr/>
+      </p:sp>
+      <p:sp>
+        <p:nvSpPr>
+          <p:cNvPr id="3" name="备注占位符 2"/>
+          <p:cNvSpPr>
+            <a:spLocks noGrp="1"/>
+          </p:cNvSpPr>
+          <p:nvPr>
+            <p:ph type="body" idx="1"/>
+          </p:nvPr>
+        </p:nvSpPr>
+        <p:spPr/>
+        <p:txBody>
+          <a:bodyPr/>
+          <a:lstStyle/>
+          <a:p>
+            <a:r>
+              <a:rPr kumimoji="1" lang="zh-CN" altLang="en-US" dirty="0"/>
+              <a:t>然后介绍一下我们的协同编辑算法。核心思路是优先提升消息转发速度，具体采用这种增量式的消息转发，一个客户端进行一个编辑操作后，会将这个编辑记录转发给服务器，服务器先讲该操作转发给其他客户端，然后再将记录写入数据库。重新加载一个文档时服务器会将所有操作记录发送给客户端，以恢复文档记录。算法的特点是牺牲了部分初始读取速度，大幅提高了协同编辑时的性能。后续可以考虑在后端开发</a:t>
+            </a:r>
+            <a:r>
+              <a:rPr kumimoji="1" lang="en-US" altLang="zh-CN" dirty="0"/>
+              <a:t>snapshot</a:t>
+            </a:r>
+            <a:r>
+              <a:rPr kumimoji="1" lang="zh-CN" altLang="en-US" dirty="0"/>
+              <a:t>操作来对储存和初始读取速度进行优化。</a:t>
+            </a:r>
+          </a:p>
+        </p:txBody>
+      </p:sp>
+      <p:sp>
+        <p:nvSpPr>
+          <p:cNvPr id="4" name="灯片编号占位符 3"/>
+          <p:cNvSpPr>
+            <a:spLocks noGrp="1"/>
+          </p:cNvSpPr>
+          <p:nvPr>
+            <p:ph type="sldNum" sz="quarter" idx="5"/>
+          </p:nvPr>
+        </p:nvSpPr>
+        <p:spPr/>
+        <p:txBody>
+          <a:bodyPr/>
+          <a:lstStyle/>
+          <a:p>
+            <a:fld id="{9F6826D6-9286-B344-8560-A38678759C1F}" type="slidenum">
+              <a:rPr kumimoji="1" lang="zh-CN" altLang="en-US" smtClean="0"/>
+              <a:t>8</a:t>
+            </a:fld>
+            <a:endParaRPr kumimoji="1" lang="zh-CN" altLang="en-US"/>
+          </a:p>
+        </p:txBody>
+      </p:sp>
+    </p:spTree>
+    <p:extLst>
+      <p:ext uri="{BB962C8B-B14F-4D97-AF65-F5344CB8AC3E}">
+        <p14:creationId xmlns:p14="http://schemas.microsoft.com/office/powerpoint/2010/main" val="3258974871"/>
+      </p:ext>
+    </p:extLst>
+  </p:cSld>
+  <p:clrMapOvr>
+    <a:masterClrMapping/>
+  </p:clrMapOvr>
+</p:notes>
+</file>
+
+<file path=ppt/notesSlides/notesSlide8.xml><?xml version="1.0" encoding="utf-8"?>
+<p:notes xmlns:a="http://schemas.openxmlformats.org/drawingml/2006/main" xmlns:r="http://schemas.openxmlformats.org/officeDocument/2006/relationships" xmlns:p="http://schemas.openxmlformats.org/presentationml/2006/main">
+  <p:cSld>
+    <p:spTree>
+      <p:nvGrpSpPr>
+        <p:cNvPr id="1" name=""/>
+        <p:cNvGrpSpPr/>
+        <p:nvPr/>
+      </p:nvGrpSpPr>
+      <p:grpSpPr>
+        <a:xfrm>
+          <a:off x="0" y="0"/>
+          <a:ext cx="0" cy="0"/>
+          <a:chOff x="0" y="0"/>
+          <a:chExt cx="0" cy="0"/>
+        </a:xfrm>
+      </p:grpSpPr>
+      <p:sp>
+        <p:nvSpPr>
+          <p:cNvPr id="2" name="幻灯片图像占位符 1"/>
+          <p:cNvSpPr>
+            <a:spLocks noGrp="1" noRot="1" noChangeAspect="1"/>
+          </p:cNvSpPr>
+          <p:nvPr>
+            <p:ph type="sldImg"/>
+          </p:nvPr>
+        </p:nvSpPr>
+        <p:spPr/>
+      </p:sp>
+      <p:sp>
+        <p:nvSpPr>
+          <p:cNvPr id="3" name="备注占位符 2"/>
+          <p:cNvSpPr>
+            <a:spLocks noGrp="1"/>
+          </p:cNvSpPr>
+          <p:nvPr>
+            <p:ph type="body" idx="1"/>
+          </p:nvPr>
+        </p:nvSpPr>
+        <p:spPr/>
+        <p:txBody>
+          <a:bodyPr/>
+          <a:lstStyle/>
+          <a:p>
+            <a:r>
+              <a:rPr kumimoji="1" lang="zh-CN" altLang="en-US" dirty="0"/>
+              <a:t>网络故障处理采用了心跳机制。因为对</a:t>
+            </a:r>
+            <a:r>
+              <a:rPr kumimoji="1" lang="en-US" altLang="zh-CN" dirty="0" err="1"/>
+              <a:t>websocket</a:t>
+            </a:r>
+            <a:r>
+              <a:rPr kumimoji="1" lang="zh-CN" altLang="en-US" dirty="0"/>
+              <a:t>的机制不够了解，且实际操作中发现它的</a:t>
+            </a:r>
+            <a:r>
+              <a:rPr kumimoji="1" lang="en-US" altLang="zh-CN" dirty="0" err="1"/>
+              <a:t>onclose</a:t>
+            </a:r>
+            <a:r>
+              <a:rPr kumimoji="1" lang="zh-CN" altLang="en-US" dirty="0"/>
+              <a:t>和</a:t>
+            </a:r>
+            <a:r>
+              <a:rPr kumimoji="1" lang="en-US" altLang="zh-CN" dirty="0" err="1"/>
+              <a:t>onerror</a:t>
+            </a:r>
+            <a:r>
+              <a:rPr kumimoji="1" lang="zh-CN" altLang="en-US" dirty="0"/>
+              <a:t>方法响应不及时，因此我们重新设计了一种心跳机制，由客户端每秒向服务器发送</a:t>
+            </a:r>
+            <a:r>
+              <a:rPr kumimoji="1" lang="en-US" altLang="zh-CN" dirty="0"/>
+              <a:t>heartbeat</a:t>
+            </a:r>
+            <a:r>
+              <a:rPr kumimoji="1" lang="zh-CN" altLang="en-US" dirty="0"/>
+              <a:t>的</a:t>
+            </a:r>
+            <a:r>
+              <a:rPr kumimoji="1" lang="en-US" altLang="zh-CN" dirty="0"/>
+              <a:t>http</a:t>
+            </a:r>
+            <a:r>
+              <a:rPr kumimoji="1" lang="zh-CN" altLang="en-US" dirty="0"/>
+              <a:t>请求，无响应则认为网络中断，断线后再次检测到心跳则重新建立</a:t>
+            </a:r>
+            <a:r>
+              <a:rPr kumimoji="1" lang="en-US" altLang="zh-CN" dirty="0" err="1"/>
+              <a:t>websocket</a:t>
+            </a:r>
+            <a:r>
+              <a:rPr kumimoji="1" lang="zh-CN" altLang="en-US" dirty="0"/>
+              <a:t>连接</a:t>
+            </a:r>
+          </a:p>
+        </p:txBody>
+      </p:sp>
+      <p:sp>
+        <p:nvSpPr>
+          <p:cNvPr id="4" name="灯片编号占位符 3"/>
+          <p:cNvSpPr>
+            <a:spLocks noGrp="1"/>
+          </p:cNvSpPr>
+          <p:nvPr>
+            <p:ph type="sldNum" sz="quarter" idx="5"/>
+          </p:nvPr>
+        </p:nvSpPr>
+        <p:spPr/>
+        <p:txBody>
+          <a:bodyPr/>
+          <a:lstStyle/>
+          <a:p>
+            <a:fld id="{9F6826D6-9286-B344-8560-A38678759C1F}" type="slidenum">
+              <a:rPr kumimoji="1" lang="zh-CN" altLang="en-US" smtClean="0"/>
+              <a:t>9</a:t>
+            </a:fld>
+            <a:endParaRPr kumimoji="1" lang="zh-CN" altLang="en-US"/>
+          </a:p>
+        </p:txBody>
+      </p:sp>
+    </p:spTree>
+    <p:extLst>
+      <p:ext uri="{BB962C8B-B14F-4D97-AF65-F5344CB8AC3E}">
+        <p14:creationId xmlns:p14="http://schemas.microsoft.com/office/powerpoint/2010/main" val="3207530952"/>
+      </p:ext>
+    </p:extLst>
+  </p:cSld>
+  <p:clrMapOvr>
+    <a:masterClrMapping/>
+  </p:clrMapOvr>
+</p:notes>
+</file>
+
+<file path=ppt/notesSlides/notesSlide9.xml><?xml version="1.0" encoding="utf-8"?>
+<p:notes xmlns:a="http://schemas.openxmlformats.org/drawingml/2006/main" xmlns:r="http://schemas.openxmlformats.org/officeDocument/2006/relationships" xmlns:p="http://schemas.openxmlformats.org/presentationml/2006/main">
+  <p:cSld>
+    <p:spTree>
+      <p:nvGrpSpPr>
+        <p:cNvPr id="1" name=""/>
+        <p:cNvGrpSpPr/>
+        <p:nvPr/>
+      </p:nvGrpSpPr>
+      <p:grpSpPr>
+        <a:xfrm>
+          <a:off x="0" y="0"/>
+          <a:ext cx="0" cy="0"/>
+          <a:chOff x="0" y="0"/>
+          <a:chExt cx="0" cy="0"/>
+        </a:xfrm>
+      </p:grpSpPr>
+      <p:sp>
+        <p:nvSpPr>
+          <p:cNvPr id="2" name="幻灯片图像占位符 1"/>
+          <p:cNvSpPr>
+            <a:spLocks noGrp="1" noRot="1" noChangeAspect="1"/>
+          </p:cNvSpPr>
+          <p:nvPr>
+            <p:ph type="sldImg"/>
+          </p:nvPr>
+        </p:nvSpPr>
+        <p:spPr/>
+      </p:sp>
+      <p:sp>
+        <p:nvSpPr>
+          <p:cNvPr id="3" name="备注占位符 2"/>
+          <p:cNvSpPr>
+            <a:spLocks noGrp="1"/>
+          </p:cNvSpPr>
+          <p:nvPr>
+            <p:ph type="body" idx="1"/>
+          </p:nvPr>
+        </p:nvSpPr>
+        <p:spPr/>
+        <p:txBody>
+          <a:bodyPr/>
+          <a:lstStyle/>
+          <a:p>
+            <a:r>
+              <a:rPr kumimoji="1" lang="zh-CN" altLang="en-US" dirty="0"/>
+              <a:t>我们小组在第一次开会就学习了</a:t>
+            </a:r>
+            <a:r>
+              <a:rPr kumimoji="1" lang="en-US" altLang="zh-CN" dirty="0"/>
+              <a:t>git</a:t>
+            </a:r>
+            <a:r>
+              <a:rPr kumimoji="1" lang="zh-CN" altLang="en-US" dirty="0"/>
+              <a:t>的使用，开发过程全程采用</a:t>
+            </a:r>
+            <a:r>
+              <a:rPr kumimoji="1" lang="en-US" altLang="zh-CN" dirty="0"/>
+              <a:t>git</a:t>
+            </a:r>
+            <a:r>
+              <a:rPr kumimoji="1" lang="zh-CN" altLang="en-US" dirty="0"/>
+              <a:t>进行协作与版本控制，项目最终一共有</a:t>
+            </a:r>
+            <a:r>
+              <a:rPr kumimoji="1" lang="en-US" altLang="zh-CN" dirty="0"/>
+              <a:t>139</a:t>
+            </a:r>
+            <a:r>
+              <a:rPr kumimoji="1" lang="zh-CN" altLang="en-US" dirty="0"/>
+              <a:t>次</a:t>
+            </a:r>
+            <a:r>
+              <a:rPr kumimoji="1" lang="en-US" altLang="zh-CN" dirty="0"/>
+              <a:t>commit</a:t>
+            </a:r>
+            <a:r>
+              <a:rPr kumimoji="1" lang="zh-CN" altLang="en-US" dirty="0"/>
+              <a:t>，开发过程十分高效</a:t>
+            </a:r>
+            <a:endParaRPr kumimoji="1" lang="en-US" altLang="zh-CN" dirty="0"/>
+          </a:p>
+          <a:p>
+            <a:r>
+              <a:rPr kumimoji="1" lang="zh-CN" altLang="en-US" dirty="0"/>
+              <a:t>代码严格遵循模块化，分层，接口与实现分离的原则，前端各组件进行了分离，后端分为了控制，服务</a:t>
+            </a:r>
+            <a:r>
+              <a:rPr kumimoji="1" lang="en-US" altLang="zh-CN" dirty="0"/>
+              <a:t>,</a:t>
+            </a:r>
+            <a:r>
+              <a:rPr kumimoji="1" lang="zh-CN" altLang="en-US" dirty="0"/>
+              <a:t>数据访问层，接口与实现进行了分离</a:t>
+            </a:r>
+          </a:p>
+        </p:txBody>
+      </p:sp>
+      <p:sp>
+        <p:nvSpPr>
+          <p:cNvPr id="4" name="灯片编号占位符 3"/>
+          <p:cNvSpPr>
+            <a:spLocks noGrp="1"/>
+          </p:cNvSpPr>
+          <p:nvPr>
+            <p:ph type="sldNum" sz="quarter" idx="5"/>
+          </p:nvPr>
+        </p:nvSpPr>
+        <p:spPr/>
+        <p:txBody>
+          <a:bodyPr/>
+          <a:lstStyle/>
+          <a:p>
+            <a:fld id="{9F6826D6-9286-B344-8560-A38678759C1F}" type="slidenum">
+              <a:rPr kumimoji="1" lang="zh-CN" altLang="en-US" smtClean="0"/>
+              <a:t>11</a:t>
+            </a:fld>
+            <a:endParaRPr kumimoji="1" lang="zh-CN" altLang="en-US"/>
+          </a:p>
+        </p:txBody>
+      </p:sp>
+    </p:spTree>
+    <p:extLst>
+      <p:ext uri="{BB962C8B-B14F-4D97-AF65-F5344CB8AC3E}">
+        <p14:creationId xmlns:p14="http://schemas.microsoft.com/office/powerpoint/2010/main" val="1214386891"/>
+      </p:ext>
+    </p:extLst>
+  </p:cSld>
+  <p:clrMapOvr>
+    <a:masterClrMapping/>
+  </p:clrMapOvr>
+</p:notes>
 </file>
 
 <file path=ppt/slideLayouts/slideLayout1.xml><?xml version="1.0" encoding="utf-8"?>
@@ -5278,7 +6961,7 @@
           <p:nvPr/>
         </p:nvPicPr>
         <p:blipFill>
-          <a:blip r:embed="rId2"/>
+          <a:blip r:embed="rId3"/>
           <a:stretch>
             <a:fillRect/>
           </a:stretch>
@@ -6808,8 +8491,10 @@
               <a:t>使用</a:t>
             </a:r>
             <a:r>
-              <a:rPr lang="en-US" altLang="zh-CN" sz="2000" dirty="0" err="1"/>
-              <a:t>github</a:t>
+              <a:rPr lang="en-US" altLang="zh-CN" sz="2000" dirty="0" err="1">
+                <a:latin typeface="Gill Sans MT" panose="020B0502020104020203" pitchFamily="34" charset="0"/>
+              </a:rPr>
+              <a:t>Github</a:t>
             </a:r>
             <a:r>
               <a:rPr lang="zh-CN" altLang="en-US" sz="2000" dirty="0"/>
@@ -6845,7 +8530,7 @@
           <p:nvPr/>
         </p:nvPicPr>
         <p:blipFill>
-          <a:blip r:embed="rId2"/>
+          <a:blip r:embed="rId3"/>
           <a:stretch>
             <a:fillRect/>
           </a:stretch>
@@ -6875,7 +8560,7 @@
           <p:nvPr/>
         </p:nvPicPr>
         <p:blipFill>
-          <a:blip r:embed="rId3"/>
+          <a:blip r:embed="rId4"/>
           <a:stretch>
             <a:fillRect/>
           </a:stretch>
@@ -6905,7 +8590,7 @@
           <p:nvPr/>
         </p:nvPicPr>
         <p:blipFill>
-          <a:blip r:embed="rId4"/>
+          <a:blip r:embed="rId5"/>
           <a:stretch>
             <a:fillRect/>
           </a:stretch>
@@ -7033,6 +8718,36 @@
           </a:p>
         </p:txBody>
       </p:sp>
+      <p:pic>
+        <p:nvPicPr>
+          <p:cNvPr id="7" name="图片 6">
+            <a:extLst>
+              <a:ext uri="{FF2B5EF4-FFF2-40B4-BE49-F238E27FC236}">
+                <a16:creationId xmlns:a16="http://schemas.microsoft.com/office/drawing/2014/main" id="{1A86339F-4ADE-1F0A-9813-1845A6790296}"/>
+              </a:ext>
+            </a:extLst>
+          </p:cNvPr>
+          <p:cNvPicPr>
+            <a:picLocks noChangeAspect="1"/>
+          </p:cNvPicPr>
+          <p:nvPr/>
+        </p:nvPicPr>
+        <p:blipFill>
+          <a:blip r:embed="rId6"/>
+          <a:stretch>
+            <a:fillRect/>
+          </a:stretch>
+        </p:blipFill>
+        <p:spPr>
+          <a:xfrm>
+            <a:off x="2598259" y="4894804"/>
+            <a:ext cx="3450131" cy="1144085"/>
+          </a:xfrm>
+          <a:prstGeom prst="rect">
+            <a:avLst/>
+          </a:prstGeom>
+        </p:spPr>
+      </p:pic>
     </p:spTree>
     <p:extLst>
       <p:ext uri="{BB962C8B-B14F-4D97-AF65-F5344CB8AC3E}">
@@ -7280,7 +8995,7 @@
         <p:spPr>
           <a:xfrm>
             <a:off x="2377109" y="1391153"/>
-            <a:ext cx="7437782" cy="2554545"/>
+            <a:ext cx="7437782" cy="2862322"/>
           </a:xfrm>
           <a:prstGeom prst="rect">
             <a:avLst/>
@@ -7309,7 +9024,7 @@
             </a:pPr>
             <a:r>
               <a:rPr lang="zh-CN" altLang="en-US" sz="2000" dirty="0"/>
-              <a:t>不一致性解决方案</a:t>
+              <a:t>已经完成不一致性解决算法设计</a:t>
             </a:r>
             <a:endParaRPr lang="en-US" altLang="zh-CN" sz="2000" dirty="0"/>
           </a:p>
@@ -7342,7 +9057,7 @@
             </a:pPr>
             <a:r>
               <a:rPr lang="zh-CN" altLang="en-US" sz="2000" dirty="0"/>
-              <a:t>没有实现的原因</a:t>
+              <a:t>没有实现代码的原因</a:t>
             </a:r>
             <a:endParaRPr lang="en-US" altLang="zh-CN" sz="2000" dirty="0"/>
           </a:p>
@@ -7353,7 +9068,7 @@
             </a:pPr>
             <a:r>
               <a:rPr lang="zh-CN" altLang="en-US" sz="2000" dirty="0"/>
-              <a:t>时间不够</a:t>
+              <a:t>两种组件机制较为复杂</a:t>
             </a:r>
             <a:endParaRPr lang="en-US" altLang="zh-CN" sz="2000" dirty="0"/>
           </a:p>
@@ -7363,8 +9078,23 @@
               <a:buChar char="•"/>
             </a:pPr>
             <a:r>
+              <a:rPr lang="en-US" altLang="zh-CN" sz="2000" dirty="0"/>
+              <a:t>Vue</a:t>
+            </a:r>
+            <a:r>
               <a:rPr lang="zh-CN" altLang="en-US" sz="2000" dirty="0"/>
-              <a:t>两种组件机制较为复杂</a:t>
+              <a:t>不熟悉</a:t>
+            </a:r>
+            <a:endParaRPr lang="en-US" altLang="zh-CN" sz="2000" dirty="0"/>
+          </a:p>
+          <a:p>
+            <a:pPr marL="1200150" lvl="2" indent="-285750">
+              <a:buFont typeface="Arial" panose="020B0604020202020204" pitchFamily="34" charset="0"/>
+              <a:buChar char="•"/>
+            </a:pPr>
+            <a:r>
+              <a:rPr lang="zh-CN" altLang="en-US" sz="2000" dirty="0"/>
+              <a:t>时间不够</a:t>
             </a:r>
             <a:endParaRPr lang="en-US" altLang="zh-CN" sz="2000" dirty="0"/>
           </a:p>
@@ -8661,128 +10391,6 @@
       </p:grpSpPr>
       <p:sp>
         <p:nvSpPr>
-          <p:cNvPr id="39" name="文本框 38">
-            <a:extLst>
-              <a:ext uri="{FF2B5EF4-FFF2-40B4-BE49-F238E27FC236}">
-                <a16:creationId xmlns:a16="http://schemas.microsoft.com/office/drawing/2014/main" id="{BD91D239-096D-4F51-A430-A9912B9F4747}"/>
-              </a:ext>
-            </a:extLst>
-          </p:cNvPr>
-          <p:cNvSpPr txBox="1"/>
-          <p:nvPr/>
-        </p:nvSpPr>
-        <p:spPr>
-          <a:xfrm>
-            <a:off x="537137" y="1898985"/>
-            <a:ext cx="946115" cy="3807132"/>
-          </a:xfrm>
-          <a:prstGeom prst="rect">
-            <a:avLst/>
-          </a:prstGeom>
-          <a:noFill/>
-        </p:spPr>
-        <p:txBody>
-          <a:bodyPr wrap="square">
-            <a:spAutoFit/>
-          </a:bodyPr>
-          <a:lstStyle/>
-          <a:p>
-            <a:pPr algn="ctr">
-              <a:lnSpc>
-                <a:spcPct val="250000"/>
-              </a:lnSpc>
-            </a:pPr>
-            <a:r>
-              <a:rPr lang="zh-CN" altLang="en-US" sz="2000" dirty="0">
-                <a:solidFill>
-                  <a:schemeClr val="bg1"/>
-                </a:solidFill>
-                <a:cs typeface="+mn-ea"/>
-                <a:sym typeface="+mn-lt"/>
-              </a:rPr>
-              <a:t>绪 论</a:t>
-            </a:r>
-            <a:endParaRPr lang="en-US" altLang="zh-CN" sz="2000" dirty="0">
-              <a:solidFill>
-                <a:schemeClr val="bg1"/>
-              </a:solidFill>
-              <a:cs typeface="+mn-ea"/>
-              <a:sym typeface="+mn-lt"/>
-            </a:endParaRPr>
-          </a:p>
-          <a:p>
-            <a:pPr algn="ctr">
-              <a:lnSpc>
-                <a:spcPct val="250000"/>
-              </a:lnSpc>
-            </a:pPr>
-            <a:r>
-              <a:rPr lang="zh-CN" altLang="en-US" sz="2000" dirty="0">
-                <a:solidFill>
-                  <a:schemeClr val="bg1"/>
-                </a:solidFill>
-                <a:cs typeface="+mn-ea"/>
-                <a:sym typeface="+mn-lt"/>
-              </a:rPr>
-              <a:t>主题二</a:t>
-            </a:r>
-          </a:p>
-          <a:p>
-            <a:pPr algn="ctr">
-              <a:lnSpc>
-                <a:spcPct val="250000"/>
-              </a:lnSpc>
-            </a:pPr>
-            <a:r>
-              <a:rPr lang="zh-CN" altLang="en-US" sz="2000" dirty="0">
-                <a:solidFill>
-                  <a:schemeClr val="bg1"/>
-                </a:solidFill>
-                <a:cs typeface="+mn-ea"/>
-                <a:sym typeface="+mn-lt"/>
-              </a:rPr>
-              <a:t>主题三</a:t>
-            </a:r>
-          </a:p>
-          <a:p>
-            <a:pPr algn="ctr">
-              <a:lnSpc>
-                <a:spcPct val="250000"/>
-              </a:lnSpc>
-            </a:pPr>
-            <a:r>
-              <a:rPr lang="zh-CN" altLang="en-US" sz="2000" dirty="0">
-                <a:solidFill>
-                  <a:schemeClr val="bg1"/>
-                </a:solidFill>
-                <a:cs typeface="+mn-ea"/>
-                <a:sym typeface="+mn-lt"/>
-              </a:rPr>
-              <a:t>主题四</a:t>
-            </a:r>
-          </a:p>
-          <a:p>
-            <a:pPr algn="ctr">
-              <a:lnSpc>
-                <a:spcPct val="250000"/>
-              </a:lnSpc>
-            </a:pPr>
-            <a:r>
-              <a:rPr lang="zh-CN" altLang="en-US" sz="2000" b="1" dirty="0">
-                <a:cs typeface="+mn-ea"/>
-                <a:sym typeface="+mn-lt"/>
-              </a:rPr>
-              <a:t>主题五</a:t>
-            </a:r>
-            <a:endParaRPr lang="zh-CN" altLang="en-US" sz="2800" b="1" dirty="0">
-              <a:cs typeface="+mn-ea"/>
-              <a:sym typeface="+mn-lt"/>
-            </a:endParaRPr>
-          </a:p>
-        </p:txBody>
-      </p:sp>
-      <p:sp>
-        <p:nvSpPr>
           <p:cNvPr id="38" name="文本框 37">
             <a:extLst>
               <a:ext uri="{FF2B5EF4-FFF2-40B4-BE49-F238E27FC236}">
@@ -8889,7 +10497,7 @@
         <p:spPr>
           <a:xfrm>
             <a:off x="2590799" y="1192769"/>
-            <a:ext cx="8024191" cy="5632311"/>
+            <a:ext cx="8024191" cy="5940088"/>
           </a:xfrm>
           <a:prstGeom prst="rect">
             <a:avLst/>
@@ -8977,6 +10585,17 @@
             <a:endParaRPr lang="en-US" altLang="zh-CN" sz="2000" dirty="0"/>
           </a:p>
           <a:p>
+            <a:pPr marL="742950" lvl="1" indent="-285750">
+              <a:buFont typeface="Arial" panose="020B0604020202020204" pitchFamily="34" charset="0"/>
+              <a:buChar char="•"/>
+            </a:pPr>
+            <a:r>
+              <a:rPr lang="zh-CN" altLang="en-US" sz="2000" dirty="0"/>
+              <a:t>转发性能测试</a:t>
+            </a:r>
+            <a:endParaRPr lang="en-US" altLang="zh-CN" sz="2000" dirty="0"/>
+          </a:p>
+          <a:p>
             <a:pPr marL="285750" indent="-285750">
               <a:buFont typeface="Arial" panose="020B0604020202020204" pitchFamily="34" charset="0"/>
               <a:buChar char="•"/>
@@ -8997,8 +10616,8 @@
               <a:t>后端：账号，文档，权限控制，</a:t>
             </a:r>
             <a:r>
-              <a:rPr lang="en-US" altLang="zh-CN" sz="2000" dirty="0" err="1"/>
-              <a:t>mysql</a:t>
+              <a:rPr lang="en-US" altLang="zh-CN" sz="2000" dirty="0"/>
+              <a:t>MySQL</a:t>
             </a:r>
             <a:r>
               <a:rPr lang="zh-CN" altLang="en-US" sz="2000" dirty="0"/>
@@ -9039,7 +10658,7 @@
             </a:r>
             <a:r>
               <a:rPr lang="en-US" altLang="zh-CN" sz="2000" dirty="0" err="1"/>
-              <a:t>Luckysheet</a:t>
+              <a:t>LuckySheet</a:t>
             </a:r>
             <a:endParaRPr lang="en-US" altLang="zh-CN" sz="2000" dirty="0"/>
           </a:p>
@@ -9057,6 +10676,10 @@
               <a:t>Axios</a:t>
             </a:r>
             <a:r>
+              <a:rPr lang="zh-CN" altLang="en-US" sz="2000" dirty="0"/>
+              <a:t>请求发送</a:t>
+            </a:r>
+            <a:r>
               <a:rPr lang="en-US" altLang="zh-CN" sz="2000" dirty="0"/>
               <a:t>, </a:t>
             </a:r>
@@ -9096,7 +10719,7 @@
             </a:r>
             <a:r>
               <a:rPr lang="en-US" altLang="zh-CN" sz="2000" dirty="0"/>
-              <a:t>PDF,,</a:t>
+              <a:t>PDF,</a:t>
             </a:r>
             <a:r>
               <a:rPr lang="zh-CN" altLang="en-US" sz="2000" dirty="0"/>
@@ -9114,8 +10737,12 @@
               <a:t>网络：</a:t>
             </a:r>
             <a:r>
-              <a:rPr lang="en-US" altLang="zh-CN" sz="2000" dirty="0" err="1"/>
-              <a:t>Websocket</a:t>
+              <a:rPr lang="en-US" altLang="zh-CN" sz="2000" dirty="0"/>
+              <a:t>WebSocket</a:t>
+            </a:r>
+            <a:r>
+              <a:rPr lang="zh-CN" altLang="en-US" sz="2000" dirty="0"/>
+              <a:t>请求发送</a:t>
             </a:r>
             <a:endParaRPr lang="en-US" altLang="zh-CN" sz="2000" dirty="0"/>
           </a:p>
@@ -9169,6 +10796,149 @@
               <a:buChar char="•"/>
             </a:pPr>
             <a:endParaRPr lang="zh-CN" altLang="zh-CN" sz="2000" dirty="0"/>
+          </a:p>
+        </p:txBody>
+      </p:sp>
+      <p:sp>
+        <p:nvSpPr>
+          <p:cNvPr id="8" name="文本框 7">
+            <a:extLst>
+              <a:ext uri="{FF2B5EF4-FFF2-40B4-BE49-F238E27FC236}">
+                <a16:creationId xmlns:a16="http://schemas.microsoft.com/office/drawing/2014/main" id="{FF13F892-83CB-615C-1A32-7BA770527283}"/>
+              </a:ext>
+            </a:extLst>
+          </p:cNvPr>
+          <p:cNvSpPr txBox="1"/>
+          <p:nvPr/>
+        </p:nvSpPr>
+        <p:spPr>
+          <a:xfrm>
+            <a:off x="358233" y="1898985"/>
+            <a:ext cx="1420872" cy="3807132"/>
+          </a:xfrm>
+          <a:prstGeom prst="rect">
+            <a:avLst/>
+          </a:prstGeom>
+          <a:noFill/>
+        </p:spPr>
+        <p:txBody>
+          <a:bodyPr wrap="square">
+            <a:spAutoFit/>
+          </a:bodyPr>
+          <a:lstStyle/>
+          <a:p>
+            <a:pPr algn="ctr">
+              <a:lnSpc>
+                <a:spcPct val="250000"/>
+              </a:lnSpc>
+            </a:pPr>
+            <a:r>
+              <a:rPr lang="zh-CN" altLang="en-US" sz="2000" dirty="0">
+                <a:solidFill>
+                  <a:schemeClr val="bg1"/>
+                </a:solidFill>
+                <a:cs typeface="+mn-ea"/>
+                <a:sym typeface="+mn-lt"/>
+              </a:rPr>
+              <a:t>完成情况</a:t>
+            </a:r>
+            <a:endParaRPr lang="en-US" altLang="zh-CN" sz="2000" dirty="0">
+              <a:solidFill>
+                <a:schemeClr val="bg1"/>
+              </a:solidFill>
+              <a:cs typeface="+mn-ea"/>
+              <a:sym typeface="+mn-lt"/>
+            </a:endParaRPr>
+          </a:p>
+          <a:p>
+            <a:pPr algn="ctr">
+              <a:lnSpc>
+                <a:spcPct val="250000"/>
+              </a:lnSpc>
+            </a:pPr>
+            <a:r>
+              <a:rPr lang="zh-CN" altLang="en-US" sz="2000" b="1" dirty="0">
+                <a:solidFill>
+                  <a:schemeClr val="bg1"/>
+                </a:solidFill>
+                <a:cs typeface="+mn-ea"/>
+                <a:sym typeface="+mn-lt"/>
+              </a:rPr>
+              <a:t>技术架构</a:t>
+            </a:r>
+            <a:endParaRPr lang="en-US" altLang="zh-CN" sz="2000" b="1" dirty="0">
+              <a:solidFill>
+                <a:schemeClr val="bg1"/>
+              </a:solidFill>
+              <a:cs typeface="+mn-ea"/>
+              <a:sym typeface="+mn-lt"/>
+            </a:endParaRPr>
+          </a:p>
+          <a:p>
+            <a:pPr algn="ctr">
+              <a:lnSpc>
+                <a:spcPct val="250000"/>
+              </a:lnSpc>
+            </a:pPr>
+            <a:r>
+              <a:rPr lang="zh-CN" altLang="en-US" sz="2000" dirty="0">
+                <a:solidFill>
+                  <a:schemeClr val="bg1"/>
+                </a:solidFill>
+                <a:cs typeface="+mn-ea"/>
+                <a:sym typeface="+mn-lt"/>
+              </a:rPr>
+              <a:t>特色创新</a:t>
+            </a:r>
+            <a:endParaRPr lang="en-US" altLang="zh-CN" sz="2000" dirty="0">
+              <a:solidFill>
+                <a:schemeClr val="bg1"/>
+              </a:solidFill>
+              <a:cs typeface="+mn-ea"/>
+              <a:sym typeface="+mn-lt"/>
+            </a:endParaRPr>
+          </a:p>
+          <a:p>
+            <a:pPr algn="ctr">
+              <a:lnSpc>
+                <a:spcPct val="250000"/>
+              </a:lnSpc>
+            </a:pPr>
+            <a:r>
+              <a:rPr lang="zh-CN" altLang="en-US" sz="2000" dirty="0">
+                <a:solidFill>
+                  <a:schemeClr val="bg1"/>
+                </a:solidFill>
+                <a:cs typeface="+mn-ea"/>
+                <a:sym typeface="+mn-lt"/>
+              </a:rPr>
+              <a:t>经验教训</a:t>
+            </a:r>
+            <a:endParaRPr lang="en-US" altLang="zh-CN" sz="2000" dirty="0">
+              <a:solidFill>
+                <a:schemeClr val="bg1"/>
+              </a:solidFill>
+              <a:cs typeface="+mn-ea"/>
+              <a:sym typeface="+mn-lt"/>
+            </a:endParaRPr>
+          </a:p>
+          <a:p>
+            <a:pPr algn="ctr">
+              <a:lnSpc>
+                <a:spcPct val="250000"/>
+              </a:lnSpc>
+            </a:pPr>
+            <a:r>
+              <a:rPr lang="zh-CN" altLang="en-US" sz="2000" dirty="0">
+                <a:cs typeface="+mn-ea"/>
+                <a:sym typeface="+mn-lt"/>
+              </a:rPr>
+              <a:t>成员贡献</a:t>
+            </a:r>
+            <a:endParaRPr lang="zh-CN" altLang="en-US" sz="2800" dirty="0">
+              <a:cs typeface="+mn-ea"/>
+              <a:sym typeface="+mn-lt"/>
+            </a:endParaRPr>
           </a:p>
         </p:txBody>
       </p:sp>
@@ -11052,7 +12822,7 @@
             </a:pPr>
             <a:r>
               <a:rPr lang="zh-CN" altLang="en-US" sz="2000" b="1" dirty="0"/>
-              <a:t>协同编辑性能测试（串行）：</a:t>
+              <a:t>协同编辑性能测试（串行脚本）：</a:t>
             </a:r>
             <a:endParaRPr lang="en-US" altLang="zh-CN" sz="2000" b="1" dirty="0"/>
           </a:p>
@@ -11118,7 +12888,7 @@
             </a:r>
             <a:r>
               <a:rPr lang="zh-CN" altLang="en-US" sz="2000" b="1" dirty="0"/>
-              <a:t>延迟</a:t>
+              <a:t>响应时间 </a:t>
             </a:r>
             <a:r>
               <a:rPr lang="en-US" altLang="zh-CN" sz="2000" b="1" dirty="0"/>
@@ -11152,7 +12922,7 @@
             </a:r>
             <a:r>
               <a:rPr lang="zh-CN" altLang="en-US" sz="2000" b="1" dirty="0"/>
-              <a:t>延迟</a:t>
+              <a:t>响应时间 </a:t>
             </a:r>
             <a:r>
               <a:rPr lang="en-US" altLang="zh-CN" sz="2000" b="1" dirty="0"/>
@@ -11229,7 +12999,7 @@
             </a:r>
             <a:r>
               <a:rPr lang="zh-CN" altLang="en-US" sz="2000" b="1" dirty="0"/>
-              <a:t>延迟</a:t>
+              <a:t>响应时间 </a:t>
             </a:r>
             <a:r>
               <a:rPr lang="en-US" altLang="zh-CN" sz="2000" b="1" dirty="0"/>
@@ -12779,7 +14549,13 @@
             </a:r>
             <a:r>
               <a:rPr lang="en-US" altLang="zh-CN" sz="2000" dirty="0"/>
-              <a:t>: Vue</a:t>
+              <a:t>: </a:t>
+            </a:r>
+            <a:r>
+              <a:rPr lang="en-US" altLang="zh-CN" sz="2000" dirty="0">
+                <a:latin typeface="Gill Sans MT" panose="020B0502020104020203" pitchFamily="34" charset="0"/>
+              </a:rPr>
+              <a:t>Vue</a:t>
             </a:r>
           </a:p>
           <a:p>
@@ -12792,7 +14568,9 @@
               <a:t>富文本编辑器组件：</a:t>
             </a:r>
             <a:r>
-              <a:rPr lang="en-US" altLang="zh-CN" sz="2000" dirty="0"/>
+              <a:rPr lang="en-US" altLang="zh-CN" sz="2000" dirty="0">
+                <a:latin typeface="Gill Sans MT" panose="020B0502020104020203" pitchFamily="34" charset="0"/>
+              </a:rPr>
               <a:t>Quill</a:t>
             </a:r>
           </a:p>
@@ -12806,10 +14584,14 @@
               <a:t>表格组件：</a:t>
             </a:r>
             <a:r>
-              <a:rPr lang="en-US" altLang="zh-CN" sz="2000" dirty="0" err="1"/>
+              <a:rPr lang="en-US" altLang="zh-CN" sz="2000" dirty="0" err="1">
+                <a:latin typeface="Gill Sans MT" panose="020B0502020104020203" pitchFamily="34" charset="0"/>
+              </a:rPr>
               <a:t>LuckySheet</a:t>
             </a:r>
-            <a:endParaRPr lang="en-US" altLang="zh-CN" sz="2000" dirty="0"/>
+            <a:endParaRPr lang="en-US" altLang="zh-CN" sz="2000" dirty="0">
+              <a:latin typeface="Gill Sans MT" panose="020B0502020104020203" pitchFamily="34" charset="0"/>
+            </a:endParaRPr>
           </a:p>
           <a:p>
             <a:pPr marL="285750" indent="-285750">
@@ -12832,15 +14614,21 @@
               <a:t>框架：</a:t>
             </a:r>
             <a:r>
-              <a:rPr lang="en-US" altLang="zh-CN" sz="2000" dirty="0"/>
+              <a:rPr lang="en-US" altLang="zh-CN" sz="2000" dirty="0">
+                <a:latin typeface="Gill Sans MT" panose="020B0502020104020203" pitchFamily="34" charset="0"/>
+              </a:rPr>
               <a:t>Spring</a:t>
             </a:r>
             <a:r>
-              <a:rPr lang="zh-CN" altLang="en-US" sz="2000" dirty="0"/>
+              <a:rPr lang="zh-CN" altLang="en-US" sz="2000" dirty="0">
+                <a:latin typeface="Gill Sans MT" panose="020B0502020104020203" pitchFamily="34" charset="0"/>
+              </a:rPr>
               <a:t> </a:t>
             </a:r>
             <a:r>
-              <a:rPr lang="en-US" altLang="zh-CN" sz="2000" dirty="0"/>
+              <a:rPr lang="en-US" altLang="zh-CN" sz="2000" dirty="0">
+                <a:latin typeface="Gill Sans MT" panose="020B0502020104020203" pitchFamily="34" charset="0"/>
+              </a:rPr>
               <a:t>Boot</a:t>
             </a:r>
           </a:p>
@@ -12858,10 +14646,14 @@
               <a:t>映射：</a:t>
             </a:r>
             <a:r>
-              <a:rPr lang="en-US" altLang="zh-CN" sz="2000" dirty="0" err="1"/>
+              <a:rPr lang="en-US" altLang="zh-CN" sz="2000" dirty="0" err="1">
+                <a:latin typeface="Gill Sans MT" panose="020B0502020104020203" pitchFamily="34" charset="0"/>
+              </a:rPr>
               <a:t>Hibernet</a:t>
             </a:r>
-            <a:endParaRPr lang="en-US" altLang="zh-CN" sz="2000" dirty="0"/>
+            <a:endParaRPr lang="en-US" altLang="zh-CN" sz="2000" dirty="0">
+              <a:latin typeface="Gill Sans MT" panose="020B0502020104020203" pitchFamily="34" charset="0"/>
+            </a:endParaRPr>
           </a:p>
           <a:p>
             <a:pPr marL="285750" indent="-285750">
@@ -12884,10 +14676,14 @@
               <a:t>关系型数据库：</a:t>
             </a:r>
             <a:r>
-              <a:rPr lang="en-US" altLang="zh-CN" sz="2000" dirty="0" err="1"/>
+              <a:rPr lang="en-US" altLang="zh-CN" sz="2000" dirty="0" err="1">
+                <a:latin typeface="Gill Sans MT" panose="020B0502020104020203" pitchFamily="34" charset="0"/>
+              </a:rPr>
               <a:t>mysql</a:t>
             </a:r>
-            <a:endParaRPr lang="en-US" altLang="zh-CN" sz="2000" dirty="0"/>
+            <a:endParaRPr lang="en-US" altLang="zh-CN" sz="2000" dirty="0">
+              <a:latin typeface="Gill Sans MT" panose="020B0502020104020203" pitchFamily="34" charset="0"/>
+            </a:endParaRPr>
           </a:p>
           <a:p>
             <a:pPr marL="742950" lvl="1" indent="-285750">
@@ -12899,10 +14695,14 @@
               <a:t>文档型数据库： </a:t>
             </a:r>
             <a:r>
-              <a:rPr lang="en-US" altLang="zh-CN" sz="2000" dirty="0" err="1"/>
+              <a:rPr lang="en-US" altLang="zh-CN" sz="2000" dirty="0" err="1">
+                <a:latin typeface="Gill Sans MT" panose="020B0502020104020203" pitchFamily="34" charset="0"/>
+              </a:rPr>
               <a:t>mongoDB</a:t>
             </a:r>
-            <a:endParaRPr lang="en-US" altLang="zh-CN" sz="2000" dirty="0"/>
+            <a:endParaRPr lang="en-US" altLang="zh-CN" sz="2000" dirty="0">
+              <a:latin typeface="Gill Sans MT" panose="020B0502020104020203" pitchFamily="34" charset="0"/>
+            </a:endParaRPr>
           </a:p>
           <a:p>
             <a:pPr marL="285750" indent="-285750">
@@ -12921,10 +14721,14 @@
               <a:buChar char="•"/>
             </a:pPr>
             <a:r>
-              <a:rPr lang="en-US" altLang="zh-CN" sz="2000" dirty="0" err="1"/>
+              <a:rPr lang="en-US" altLang="zh-CN" sz="2000" dirty="0" err="1">
+                <a:latin typeface="Gill Sans MT" panose="020B0502020104020203" pitchFamily="34" charset="0"/>
+              </a:rPr>
               <a:t>Axios</a:t>
             </a:r>
-            <a:endParaRPr lang="en-US" altLang="zh-CN" sz="2000" dirty="0"/>
+            <a:endParaRPr lang="en-US" altLang="zh-CN" sz="2000" dirty="0">
+              <a:latin typeface="Gill Sans MT" panose="020B0502020104020203" pitchFamily="34" charset="0"/>
+            </a:endParaRPr>
           </a:p>
           <a:p>
             <a:pPr marL="742950" lvl="1" indent="-285750">
@@ -12932,10 +14736,14 @@
               <a:buChar char="•"/>
             </a:pPr>
             <a:r>
-              <a:rPr lang="en-US" altLang="zh-CN" sz="2000" dirty="0" err="1"/>
+              <a:rPr lang="en-US" altLang="zh-CN" sz="2000" dirty="0" err="1">
+                <a:latin typeface="Gill Sans MT" panose="020B0502020104020203" pitchFamily="34" charset="0"/>
+              </a:rPr>
               <a:t>Websocket</a:t>
             </a:r>
-            <a:endParaRPr lang="en-US" altLang="zh-CN" sz="2000" dirty="0"/>
+            <a:endParaRPr lang="en-US" altLang="zh-CN" sz="2000" dirty="0">
+              <a:latin typeface="Gill Sans MT" panose="020B0502020104020203" pitchFamily="34" charset="0"/>
+            </a:endParaRPr>
           </a:p>
           <a:p>
             <a:pPr marL="285750" indent="-285750">
@@ -12961,7 +14769,7 @@
           <p:nvPr/>
         </p:nvPicPr>
         <p:blipFill>
-          <a:blip r:embed="rId2"/>
+          <a:blip r:embed="rId3"/>
           <a:stretch>
             <a:fillRect/>
           </a:stretch>
@@ -12991,7 +14799,7 @@
           <p:nvPr/>
         </p:nvPicPr>
         <p:blipFill>
-          <a:blip r:embed="rId3"/>
+          <a:blip r:embed="rId4"/>
           <a:stretch>
             <a:fillRect/>
           </a:stretch>
@@ -13021,7 +14829,7 @@
           <p:nvPr/>
         </p:nvPicPr>
         <p:blipFill>
-          <a:blip r:embed="rId4"/>
+          <a:blip r:embed="rId5"/>
           <a:stretch>
             <a:fillRect/>
           </a:stretch>
@@ -13051,7 +14859,7 @@
           <p:nvPr/>
         </p:nvPicPr>
         <p:blipFill>
-          <a:blip r:embed="rId5"/>
+          <a:blip r:embed="rId6"/>
           <a:stretch>
             <a:fillRect/>
           </a:stretch>
@@ -13081,7 +14889,7 @@
           <p:nvPr/>
         </p:nvPicPr>
         <p:blipFill>
-          <a:blip r:embed="rId6"/>
+          <a:blip r:embed="rId7"/>
           <a:stretch>
             <a:fillRect/>
           </a:stretch>
@@ -13111,7 +14919,7 @@
           <p:nvPr/>
         </p:nvPicPr>
         <p:blipFill>
-          <a:blip r:embed="rId7"/>
+          <a:blip r:embed="rId8"/>
           <a:stretch>
             <a:fillRect/>
           </a:stretch>
@@ -13555,7 +15363,7 @@
           <p:nvPr/>
         </p:nvPicPr>
         <p:blipFill>
-          <a:blip r:embed="rId2"/>
+          <a:blip r:embed="rId3"/>
           <a:stretch>
             <a:fillRect/>
           </a:stretch>
@@ -15087,8 +16895,8 @@
         </p:nvSpPr>
         <p:spPr>
           <a:xfrm>
-            <a:off x="2130060" y="1100003"/>
-            <a:ext cx="7242540" cy="1323439"/>
+            <a:off x="2130059" y="1100003"/>
+            <a:ext cx="9342347" cy="1938992"/>
           </a:xfrm>
           <a:prstGeom prst="rect">
             <a:avLst/>
@@ -15106,6 +16914,17 @@
             </a:pPr>
             <a:r>
               <a:rPr lang="zh-CN" altLang="en-US" sz="2000" dirty="0"/>
+              <a:t>核心思路：优先提升消息转发速度</a:t>
+            </a:r>
+            <a:endParaRPr lang="en-US" altLang="zh-CN" sz="2000" dirty="0"/>
+          </a:p>
+          <a:p>
+            <a:pPr marL="285750" indent="-285750">
+              <a:buFont typeface="Arial" panose="020B0604020202020204" pitchFamily="34" charset="0"/>
+              <a:buChar char="•"/>
+            </a:pPr>
+            <a:r>
+              <a:rPr lang="zh-CN" altLang="en-US" sz="2000" dirty="0"/>
               <a:t>增量式消息转发</a:t>
             </a:r>
             <a:endParaRPr lang="en-US" altLang="zh-CN" sz="2000" dirty="0"/>
@@ -15139,7 +16958,7 @@
             </a:pPr>
             <a:r>
               <a:rPr lang="zh-CN" altLang="en-US" sz="2000" dirty="0"/>
-              <a:t>特点：牺牲初始读取速度，大幅提高协同编辑性能</a:t>
+              <a:t>特点：牺牲部分初始读取速度，大幅提高协同编辑性能，方便后续历史记录功能扩展</a:t>
             </a:r>
             <a:endParaRPr lang="en-US" altLang="zh-CN" sz="2000" dirty="0"/>
           </a:p>
@@ -15160,13 +16979,13 @@
           <p:nvPr/>
         </p:nvPicPr>
         <p:blipFill>
-          <a:blip r:embed="rId2">
+          <a:blip r:embed="rId3">
             <a:extLst>
               <a:ext uri="{28A0092B-C50C-407E-A947-70E740481C1C}">
                 <a14:useLocalDpi xmlns:a14="http://schemas.microsoft.com/office/drawing/2010/main" val="0"/>
               </a:ext>
               <a:ext uri="{96DAC541-7B7A-43D3-8B79-37D633B846F1}">
-                <asvg:svgBlip xmlns:asvg="http://schemas.microsoft.com/office/drawing/2016/SVG/main" r:embed="rId3"/>
+                <asvg:svgBlip xmlns:asvg="http://schemas.microsoft.com/office/drawing/2016/SVG/main" r:embed="rId4"/>
               </a:ext>
             </a:extLst>
           </a:blip>
@@ -15176,7 +16995,7 @@
         </p:blipFill>
         <p:spPr>
           <a:xfrm>
-            <a:off x="3776642" y="4150198"/>
+            <a:off x="3776642" y="4253895"/>
             <a:ext cx="914400" cy="914400"/>
           </a:xfrm>
           <a:prstGeom prst="rect">
@@ -15199,13 +17018,13 @@
           <p:nvPr/>
         </p:nvPicPr>
         <p:blipFill>
-          <a:blip r:embed="rId4">
+          <a:blip r:embed="rId5">
             <a:extLst>
               <a:ext uri="{28A0092B-C50C-407E-A947-70E740481C1C}">
                 <a14:useLocalDpi xmlns:a14="http://schemas.microsoft.com/office/drawing/2010/main" val="0"/>
               </a:ext>
               <a:ext uri="{96DAC541-7B7A-43D3-8B79-37D633B846F1}">
-                <asvg:svgBlip xmlns:asvg="http://schemas.microsoft.com/office/drawing/2016/SVG/main" r:embed="rId5"/>
+                <asvg:svgBlip xmlns:asvg="http://schemas.microsoft.com/office/drawing/2016/SVG/main" r:embed="rId6"/>
               </a:ext>
             </a:extLst>
           </a:blip>
@@ -15215,7 +17034,7 @@
         </p:blipFill>
         <p:spPr>
           <a:xfrm>
-            <a:off x="3846482" y="2855321"/>
+            <a:off x="3846482" y="2959018"/>
             <a:ext cx="781600" cy="781600"/>
           </a:xfrm>
           <a:prstGeom prst="rect">
@@ -15238,13 +17057,13 @@
           <p:nvPr/>
         </p:nvPicPr>
         <p:blipFill>
-          <a:blip r:embed="rId4">
+          <a:blip r:embed="rId5">
             <a:extLst>
               <a:ext uri="{28A0092B-C50C-407E-A947-70E740481C1C}">
                 <a14:useLocalDpi xmlns:a14="http://schemas.microsoft.com/office/drawing/2010/main" val="0"/>
               </a:ext>
               <a:ext uri="{96DAC541-7B7A-43D3-8B79-37D633B846F1}">
-                <asvg:svgBlip xmlns:asvg="http://schemas.microsoft.com/office/drawing/2016/SVG/main" r:embed="rId5"/>
+                <asvg:svgBlip xmlns:asvg="http://schemas.microsoft.com/office/drawing/2016/SVG/main" r:embed="rId6"/>
               </a:ext>
             </a:extLst>
           </a:blip>
@@ -15254,7 +17073,7 @@
         </p:blipFill>
         <p:spPr>
           <a:xfrm>
-            <a:off x="2320333" y="5347730"/>
+            <a:off x="2320333" y="5451427"/>
             <a:ext cx="781600" cy="781600"/>
           </a:xfrm>
           <a:prstGeom prst="rect">
@@ -15278,7 +17097,7 @@
         </p:nvCxnSpPr>
         <p:spPr>
           <a:xfrm>
-            <a:off x="4233842" y="3520488"/>
+            <a:off x="4233842" y="3624185"/>
             <a:ext cx="0" cy="656783"/>
           </a:xfrm>
           <a:prstGeom prst="straightConnector1">
@@ -15319,7 +17138,7 @@
         </p:nvCxnSpPr>
         <p:spPr>
           <a:xfrm flipH="1">
-            <a:off x="3117241" y="4960481"/>
+            <a:off x="3117241" y="5064178"/>
             <a:ext cx="729241" cy="484594"/>
           </a:xfrm>
           <a:prstGeom prst="straightConnector1">
@@ -15359,13 +17178,13 @@
           <p:nvPr/>
         </p:nvPicPr>
         <p:blipFill>
-          <a:blip r:embed="rId4">
+          <a:blip r:embed="rId5">
             <a:extLst>
               <a:ext uri="{28A0092B-C50C-407E-A947-70E740481C1C}">
                 <a14:useLocalDpi xmlns:a14="http://schemas.microsoft.com/office/drawing/2010/main" val="0"/>
               </a:ext>
               <a:ext uri="{96DAC541-7B7A-43D3-8B79-37D633B846F1}">
-                <asvg:svgBlip xmlns:asvg="http://schemas.microsoft.com/office/drawing/2016/SVG/main" r:embed="rId5"/>
+                <asvg:svgBlip xmlns:asvg="http://schemas.microsoft.com/office/drawing/2016/SVG/main" r:embed="rId6"/>
               </a:ext>
             </a:extLst>
           </a:blip>
@@ -15375,7 +17194,7 @@
         </p:blipFill>
         <p:spPr>
           <a:xfrm>
-            <a:off x="5506278" y="5347730"/>
+            <a:off x="5506278" y="5451427"/>
             <a:ext cx="781600" cy="781600"/>
           </a:xfrm>
           <a:prstGeom prst="rect">
@@ -15399,7 +17218,7 @@
         </p:nvCxnSpPr>
         <p:spPr>
           <a:xfrm>
-            <a:off x="4691042" y="4915398"/>
+            <a:off x="4691042" y="5019095"/>
             <a:ext cx="815236" cy="529677"/>
           </a:xfrm>
           <a:prstGeom prst="straightConnector1">
@@ -15438,7 +17257,7 @@
         </p:nvSpPr>
         <p:spPr>
           <a:xfrm>
-            <a:off x="4691042" y="2776056"/>
+            <a:off x="4691042" y="2879753"/>
             <a:ext cx="805070" cy="174930"/>
           </a:xfrm>
           <a:prstGeom prst="rect">
@@ -15487,7 +17306,7 @@
         </p:nvSpPr>
         <p:spPr>
           <a:xfrm>
-            <a:off x="4691042" y="2950986"/>
+            <a:off x="4691042" y="3054683"/>
             <a:ext cx="805070" cy="174930"/>
           </a:xfrm>
           <a:prstGeom prst="rect">
@@ -15539,7 +17358,7 @@
         </p:nvSpPr>
         <p:spPr>
           <a:xfrm>
-            <a:off x="4691042" y="3186102"/>
+            <a:off x="4691042" y="3289799"/>
             <a:ext cx="805070" cy="174930"/>
           </a:xfrm>
           <a:prstGeom prst="rect">
@@ -15591,7 +17410,7 @@
         </p:nvSpPr>
         <p:spPr>
           <a:xfrm>
-            <a:off x="4306728" y="3827617"/>
+            <a:off x="4306728" y="3931314"/>
             <a:ext cx="805070" cy="174930"/>
           </a:xfrm>
           <a:prstGeom prst="rect">
@@ -15643,7 +17462,7 @@
         </p:nvSpPr>
         <p:spPr>
           <a:xfrm>
-            <a:off x="5151327" y="4923847"/>
+            <a:off x="5151327" y="5027544"/>
             <a:ext cx="805070" cy="174930"/>
           </a:xfrm>
           <a:prstGeom prst="rect">
@@ -15695,7 +17514,7 @@
         </p:nvSpPr>
         <p:spPr>
           <a:xfrm>
-            <a:off x="2721664" y="4915398"/>
+            <a:off x="2721664" y="5019095"/>
             <a:ext cx="805070" cy="174930"/>
           </a:xfrm>
           <a:prstGeom prst="rect">
@@ -15747,7 +17566,7 @@
         </p:nvSpPr>
         <p:spPr>
           <a:xfrm>
-            <a:off x="4552121" y="4380285"/>
+            <a:off x="4552121" y="4483982"/>
             <a:ext cx="805070" cy="174930"/>
           </a:xfrm>
           <a:prstGeom prst="rect">
@@ -15796,7 +17615,7 @@
         </p:nvSpPr>
         <p:spPr>
           <a:xfrm>
-            <a:off x="4552121" y="4555215"/>
+            <a:off x="4552121" y="4658912"/>
             <a:ext cx="805070" cy="174930"/>
           </a:xfrm>
           <a:prstGeom prst="rect">
@@ -15848,7 +17667,7 @@
         </p:nvSpPr>
         <p:spPr>
           <a:xfrm>
-            <a:off x="6390408" y="5609322"/>
+            <a:off x="6390408" y="5713019"/>
             <a:ext cx="805070" cy="174930"/>
           </a:xfrm>
           <a:prstGeom prst="rect">
@@ -15897,7 +17716,7 @@
         </p:nvSpPr>
         <p:spPr>
           <a:xfrm>
-            <a:off x="6390408" y="5784252"/>
+            <a:off x="6390408" y="5887949"/>
             <a:ext cx="805070" cy="174930"/>
           </a:xfrm>
           <a:prstGeom prst="rect">
@@ -15949,7 +17768,7 @@
         </p:nvSpPr>
         <p:spPr>
           <a:xfrm>
-            <a:off x="3180993" y="5629361"/>
+            <a:off x="3180993" y="5733058"/>
             <a:ext cx="805070" cy="174930"/>
           </a:xfrm>
           <a:prstGeom prst="rect">
@@ -15998,7 +17817,7 @@
         </p:nvSpPr>
         <p:spPr>
           <a:xfrm>
-            <a:off x="3180993" y="5804291"/>
+            <a:off x="3180993" y="5907988"/>
             <a:ext cx="805070" cy="174930"/>
           </a:xfrm>
           <a:prstGeom prst="rect">
@@ -16050,7 +17869,7 @@
         </p:nvSpPr>
         <p:spPr>
           <a:xfrm>
-            <a:off x="3960328" y="6369054"/>
+            <a:off x="3960328" y="6472751"/>
             <a:ext cx="1183586" cy="369332"/>
           </a:xfrm>
           <a:prstGeom prst="rect">
@@ -16085,7 +17904,7 @@
         </p:nvSpPr>
         <p:spPr>
           <a:xfrm>
-            <a:off x="8555520" y="6369054"/>
+            <a:off x="8555520" y="6425616"/>
             <a:ext cx="1483002" cy="369332"/>
           </a:xfrm>
           <a:prstGeom prst="rect">
@@ -16121,13 +17940,13 @@
           <p:nvPr/>
         </p:nvPicPr>
         <p:blipFill>
-          <a:blip r:embed="rId2">
+          <a:blip r:embed="rId3">
             <a:extLst>
               <a:ext uri="{28A0092B-C50C-407E-A947-70E740481C1C}">
                 <a14:useLocalDpi xmlns:a14="http://schemas.microsoft.com/office/drawing/2010/main" val="0"/>
               </a:ext>
               <a:ext uri="{96DAC541-7B7A-43D3-8B79-37D633B846F1}">
-                <asvg:svgBlip xmlns:asvg="http://schemas.microsoft.com/office/drawing/2016/SVG/main" r:embed="rId3"/>
+                <asvg:svgBlip xmlns:asvg="http://schemas.microsoft.com/office/drawing/2016/SVG/main" r:embed="rId4"/>
               </a:ext>
             </a:extLst>
           </a:blip>
@@ -16137,7 +17956,7 @@
         </p:blipFill>
         <p:spPr>
           <a:xfrm>
-            <a:off x="8555520" y="2606088"/>
+            <a:off x="8555520" y="2983160"/>
             <a:ext cx="914400" cy="914400"/>
           </a:xfrm>
           <a:prstGeom prst="rect">
@@ -16159,7 +17978,7 @@
         </p:nvSpPr>
         <p:spPr>
           <a:xfrm>
-            <a:off x="9635987" y="2776056"/>
+            <a:off x="9635987" y="3153128"/>
             <a:ext cx="805070" cy="174930"/>
           </a:xfrm>
           <a:prstGeom prst="rect">
@@ -16208,7 +18027,7 @@
         </p:nvSpPr>
         <p:spPr>
           <a:xfrm>
-            <a:off x="9635987" y="2950986"/>
+            <a:off x="9635987" y="3328058"/>
             <a:ext cx="805070" cy="174930"/>
           </a:xfrm>
           <a:prstGeom prst="rect">
@@ -16260,7 +18079,7 @@
         </p:nvSpPr>
         <p:spPr>
           <a:xfrm>
-            <a:off x="9635987" y="3128839"/>
+            <a:off x="9635987" y="3505911"/>
             <a:ext cx="805070" cy="174930"/>
           </a:xfrm>
           <a:prstGeom prst="rect">
@@ -16314,7 +18133,7 @@
         </p:nvCxnSpPr>
         <p:spPr>
           <a:xfrm>
-            <a:off x="9022659" y="3664216"/>
+            <a:off x="9022659" y="4041288"/>
             <a:ext cx="0" cy="1241243"/>
           </a:xfrm>
           <a:prstGeom prst="straightConnector1">
@@ -16354,13 +18173,13 @@
           <p:nvPr/>
         </p:nvPicPr>
         <p:blipFill>
-          <a:blip r:embed="rId4">
+          <a:blip r:embed="rId5">
             <a:extLst>
               <a:ext uri="{28A0092B-C50C-407E-A947-70E740481C1C}">
                 <a14:useLocalDpi xmlns:a14="http://schemas.microsoft.com/office/drawing/2010/main" val="0"/>
               </a:ext>
               <a:ext uri="{96DAC541-7B7A-43D3-8B79-37D633B846F1}">
-                <asvg:svgBlip xmlns:asvg="http://schemas.microsoft.com/office/drawing/2016/SVG/main" r:embed="rId5"/>
+                <asvg:svgBlip xmlns:asvg="http://schemas.microsoft.com/office/drawing/2016/SVG/main" r:embed="rId6"/>
               </a:ext>
             </a:extLst>
           </a:blip>
@@ -16370,7 +18189,7 @@
         </p:blipFill>
         <p:spPr>
           <a:xfrm>
-            <a:off x="8688320" y="5011312"/>
+            <a:off x="8688320" y="5388384"/>
             <a:ext cx="781600" cy="781600"/>
           </a:xfrm>
           <a:prstGeom prst="rect">
@@ -16392,7 +18211,7 @@
         </p:nvSpPr>
         <p:spPr>
           <a:xfrm>
-            <a:off x="9198665" y="3935513"/>
+            <a:off x="9198665" y="4312585"/>
             <a:ext cx="805070" cy="174930"/>
           </a:xfrm>
           <a:prstGeom prst="rect">
@@ -16441,7 +18260,7 @@
         </p:nvSpPr>
         <p:spPr>
           <a:xfrm>
-            <a:off x="9198665" y="4219772"/>
+            <a:off x="9198665" y="4596844"/>
             <a:ext cx="805070" cy="174930"/>
           </a:xfrm>
           <a:prstGeom prst="rect">
@@ -16493,7 +18312,7 @@
         </p:nvSpPr>
         <p:spPr>
           <a:xfrm>
-            <a:off x="9198665" y="4516893"/>
+            <a:off x="9198665" y="4893965"/>
             <a:ext cx="805070" cy="174930"/>
           </a:xfrm>
           <a:prstGeom prst="rect">
@@ -16778,7 +18597,7 @@
         <p:spPr>
           <a:xfrm>
             <a:off x="2130060" y="1100003"/>
-            <a:ext cx="8156940" cy="1323439"/>
+            <a:ext cx="8156940" cy="1631216"/>
           </a:xfrm>
           <a:prstGeom prst="rect">
             <a:avLst/>
@@ -16795,6 +18614,57 @@
               <a:buChar char="•"/>
             </a:pPr>
             <a:r>
+              <a:rPr lang="en-US" altLang="zh-CN" sz="2000" dirty="0">
+                <a:latin typeface="Gill Sans MT" panose="020B0502020104020203" pitchFamily="34" charset="0"/>
+              </a:rPr>
+              <a:t>WebSocket</a:t>
+            </a:r>
+            <a:r>
+              <a:rPr lang="zh-CN" altLang="en-US" sz="2000" dirty="0"/>
+              <a:t>的</a:t>
+            </a:r>
+            <a:r>
+              <a:rPr lang="en-US" altLang="zh-CN" sz="2000" dirty="0" err="1">
+                <a:latin typeface="Gill Sans MT" panose="020B0502020104020203" pitchFamily="34" charset="0"/>
+              </a:rPr>
+              <a:t>onClose</a:t>
+            </a:r>
+            <a:r>
+              <a:rPr lang="zh-CN" altLang="en-US" sz="2000" dirty="0">
+                <a:latin typeface="Gill Sans MT" panose="020B0502020104020203" pitchFamily="34" charset="0"/>
+              </a:rPr>
+              <a:t>（）</a:t>
+            </a:r>
+            <a:r>
+              <a:rPr lang="en-US" altLang="zh-CN" sz="2000" dirty="0">
+                <a:latin typeface="Gill Sans MT" panose="020B0502020104020203" pitchFamily="34" charset="0"/>
+              </a:rPr>
+              <a:t>/</a:t>
+            </a:r>
+            <a:r>
+              <a:rPr lang="en-US" altLang="zh-CN" sz="2000" dirty="0" err="1">
+                <a:latin typeface="Gill Sans MT" panose="020B0502020104020203" pitchFamily="34" charset="0"/>
+              </a:rPr>
+              <a:t>onError</a:t>
+            </a:r>
+            <a:r>
+              <a:rPr lang="en-US" altLang="zh-CN" sz="2000" dirty="0">
+                <a:latin typeface="Gill Sans MT" panose="020B0502020104020203" pitchFamily="34" charset="0"/>
+              </a:rPr>
+              <a:t>()</a:t>
+            </a:r>
+            <a:r>
+              <a:rPr lang="zh-CN" altLang="en-US" sz="2000" dirty="0"/>
+              <a:t>方法不能及时响应</a:t>
+            </a:r>
+            <a:endParaRPr lang="en-US" altLang="zh-CN" sz="2000" dirty="0"/>
+          </a:p>
+          <a:p>
+            <a:pPr marL="285750" indent="-285750">
+              <a:buFont typeface="Arial" panose="020B0604020202020204" pitchFamily="34" charset="0"/>
+              <a:buChar char="•"/>
+            </a:pPr>
+            <a:r>
               <a:rPr lang="zh-CN" altLang="en-US" sz="2000" dirty="0"/>
               <a:t>检测网络中断：心跳机制</a:t>
             </a:r>
@@ -16810,7 +18680,9 @@
               <a:t>每秒向云端发送</a:t>
             </a:r>
             <a:r>
-              <a:rPr lang="en-US" altLang="zh-CN" sz="2000" dirty="0"/>
+              <a:rPr lang="en-US" altLang="zh-CN" sz="2000" dirty="0">
+                <a:latin typeface="Gill Sans MT" panose="020B0502020104020203" pitchFamily="34" charset="0"/>
+              </a:rPr>
               <a:t>http</a:t>
             </a:r>
             <a:r>
@@ -16837,11 +18709,13 @@
             </a:pPr>
             <a:r>
               <a:rPr lang="zh-CN" altLang="en-US" sz="2000" dirty="0"/>
-              <a:t>每秒向云端发送请求，重新收到心跳后重新建立</a:t>
-            </a:r>
-            <a:r>
-              <a:rPr lang="en-US" altLang="zh-CN" sz="2000" dirty="0" err="1"/>
-              <a:t>websocket</a:t>
+              <a:t>每秒向云端发送请求，收到心跳后重新建立</a:t>
+            </a:r>
+            <a:r>
+              <a:rPr lang="en-US" altLang="zh-CN" sz="2000" dirty="0">
+                <a:latin typeface="Gill Sans MT" panose="020B0502020104020203" pitchFamily="34" charset="0"/>
+              </a:rPr>
+              <a:t>WebSocket</a:t>
             </a:r>
             <a:r>
               <a:rPr lang="zh-CN" altLang="en-US" sz="2000" dirty="0"/>
@@ -16901,13 +18775,13 @@
           <p:nvPr/>
         </p:nvPicPr>
         <p:blipFill>
-          <a:blip r:embed="rId2">
+          <a:blip r:embed="rId3">
             <a:extLst>
               <a:ext uri="{28A0092B-C50C-407E-A947-70E740481C1C}">
                 <a14:useLocalDpi xmlns:a14="http://schemas.microsoft.com/office/drawing/2010/main" val="0"/>
               </a:ext>
               <a:ext uri="{96DAC541-7B7A-43D3-8B79-37D633B846F1}">
-                <asvg:svgBlip xmlns:asvg="http://schemas.microsoft.com/office/drawing/2016/SVG/main" r:embed="rId3"/>
+                <asvg:svgBlip xmlns:asvg="http://schemas.microsoft.com/office/drawing/2016/SVG/main" r:embed="rId4"/>
               </a:ext>
             </a:extLst>
           </a:blip>
@@ -16940,13 +18814,13 @@
           <p:nvPr/>
         </p:nvPicPr>
         <p:blipFill>
-          <a:blip r:embed="rId4">
+          <a:blip r:embed="rId5">
             <a:extLst>
               <a:ext uri="{28A0092B-C50C-407E-A947-70E740481C1C}">
                 <a14:useLocalDpi xmlns:a14="http://schemas.microsoft.com/office/drawing/2010/main" val="0"/>
               </a:ext>
               <a:ext uri="{96DAC541-7B7A-43D3-8B79-37D633B846F1}">
-                <asvg:svgBlip xmlns:asvg="http://schemas.microsoft.com/office/drawing/2016/SVG/main" r:embed="rId5"/>
+                <asvg:svgBlip xmlns:asvg="http://schemas.microsoft.com/office/drawing/2016/SVG/main" r:embed="rId6"/>
               </a:ext>
             </a:extLst>
           </a:blip>
@@ -17020,13 +18894,13 @@
           <p:nvPr/>
         </p:nvPicPr>
         <p:blipFill>
-          <a:blip r:embed="rId6">
+          <a:blip r:embed="rId7">
             <a:extLst>
               <a:ext uri="{28A0092B-C50C-407E-A947-70E740481C1C}">
                 <a14:useLocalDpi xmlns:a14="http://schemas.microsoft.com/office/drawing/2010/main" val="0"/>
               </a:ext>
               <a:ext uri="{96DAC541-7B7A-43D3-8B79-37D633B846F1}">
-                <asvg:svgBlip xmlns:asvg="http://schemas.microsoft.com/office/drawing/2016/SVG/main" r:embed="rId7"/>
+                <asvg:svgBlip xmlns:asvg="http://schemas.microsoft.com/office/drawing/2016/SVG/main" r:embed="rId8"/>
               </a:ext>
             </a:extLst>
           </a:blip>
@@ -17100,13 +18974,13 @@
           <p:nvPr/>
         </p:nvPicPr>
         <p:blipFill>
-          <a:blip r:embed="rId8">
+          <a:blip r:embed="rId9">
             <a:extLst>
               <a:ext uri="{28A0092B-C50C-407E-A947-70E740481C1C}">
                 <a14:useLocalDpi xmlns:a14="http://schemas.microsoft.com/office/drawing/2010/main" val="0"/>
               </a:ext>
               <a:ext uri="{96DAC541-7B7A-43D3-8B79-37D633B846F1}">
-                <asvg:svgBlip xmlns:asvg="http://schemas.microsoft.com/office/drawing/2016/SVG/main" r:embed="rId9"/>
+                <asvg:svgBlip xmlns:asvg="http://schemas.microsoft.com/office/drawing/2016/SVG/main" r:embed="rId10"/>
               </a:ext>
             </a:extLst>
           </a:blip>
@@ -17214,13 +19088,13 @@
           <p:nvPr/>
         </p:nvPicPr>
         <p:blipFill>
-          <a:blip r:embed="rId2">
+          <a:blip r:embed="rId3">
             <a:extLst>
               <a:ext uri="{28A0092B-C50C-407E-A947-70E740481C1C}">
                 <a14:useLocalDpi xmlns:a14="http://schemas.microsoft.com/office/drawing/2010/main" val="0"/>
               </a:ext>
               <a:ext uri="{96DAC541-7B7A-43D3-8B79-37D633B846F1}">
-                <asvg:svgBlip xmlns:asvg="http://schemas.microsoft.com/office/drawing/2016/SVG/main" r:embed="rId3"/>
+                <asvg:svgBlip xmlns:asvg="http://schemas.microsoft.com/office/drawing/2016/SVG/main" r:embed="rId4"/>
               </a:ext>
             </a:extLst>
           </a:blip>
@@ -17335,13 +19209,13 @@
           <p:nvPr/>
         </p:nvPicPr>
         <p:blipFill>
-          <a:blip r:embed="rId8">
+          <a:blip r:embed="rId9">
             <a:extLst>
               <a:ext uri="{28A0092B-C50C-407E-A947-70E740481C1C}">
                 <a14:useLocalDpi xmlns:a14="http://schemas.microsoft.com/office/drawing/2010/main" val="0"/>
               </a:ext>
               <a:ext uri="{96DAC541-7B7A-43D3-8B79-37D633B846F1}">
-                <asvg:svgBlip xmlns:asvg="http://schemas.microsoft.com/office/drawing/2016/SVG/main" r:embed="rId9"/>
+                <asvg:svgBlip xmlns:asvg="http://schemas.microsoft.com/office/drawing/2016/SVG/main" r:embed="rId10"/>
               </a:ext>
             </a:extLst>
           </a:blip>
@@ -17414,13 +19288,13 @@
           <p:nvPr/>
         </p:nvPicPr>
         <p:blipFill>
-          <a:blip r:embed="rId4">
+          <a:blip r:embed="rId5">
             <a:extLst>
               <a:ext uri="{28A0092B-C50C-407E-A947-70E740481C1C}">
                 <a14:useLocalDpi xmlns:a14="http://schemas.microsoft.com/office/drawing/2010/main" val="0"/>
               </a:ext>
               <a:ext uri="{96DAC541-7B7A-43D3-8B79-37D633B846F1}">
-                <asvg:svgBlip xmlns:asvg="http://schemas.microsoft.com/office/drawing/2016/SVG/main" r:embed="rId5"/>
+                <asvg:svgBlip xmlns:asvg="http://schemas.microsoft.com/office/drawing/2016/SVG/main" r:embed="rId6"/>
               </a:ext>
             </a:extLst>
           </a:blip>
@@ -17453,13 +19327,13 @@
           <p:nvPr/>
         </p:nvPicPr>
         <p:blipFill>
-          <a:blip r:embed="rId10">
+          <a:blip r:embed="rId11">
             <a:extLst>
               <a:ext uri="{28A0092B-C50C-407E-A947-70E740481C1C}">
                 <a14:useLocalDpi xmlns:a14="http://schemas.microsoft.com/office/drawing/2010/main" val="0"/>
               </a:ext>
               <a:ext uri="{96DAC541-7B7A-43D3-8B79-37D633B846F1}">
-                <asvg:svgBlip xmlns:asvg="http://schemas.microsoft.com/office/drawing/2016/SVG/main" r:embed="rId11"/>
+                <asvg:svgBlip xmlns:asvg="http://schemas.microsoft.com/office/drawing/2016/SVG/main" r:embed="rId12"/>
               </a:ext>
             </a:extLst>
           </a:blip>
@@ -17701,4 +19575,299 @@
     </a:ext>
   </a:extLst>
 </a:theme>
+</file>
+
+<file path=ppt/theme/theme2.xml><?xml version="1.0" encoding="utf-8"?>
+<a:theme xmlns:a="http://schemas.openxmlformats.org/drawingml/2006/main" name="Office 主题​​">
+  <a:themeElements>
+    <a:clrScheme name="Office">
+      <a:dk1>
+        <a:sysClr val="windowText" lastClr="000000"/>
+      </a:dk1>
+      <a:lt1>
+        <a:sysClr val="window" lastClr="FFFFFF"/>
+      </a:lt1>
+      <a:dk2>
+        <a:srgbClr val="44546A"/>
+      </a:dk2>
+      <a:lt2>
+        <a:srgbClr val="E7E6E6"/>
+      </a:lt2>
+      <a:accent1>
+        <a:srgbClr val="4472C4"/>
+      </a:accent1>
+      <a:accent2>
+        <a:srgbClr val="ED7D31"/>
+      </a:accent2>
+      <a:accent3>
+        <a:srgbClr val="A5A5A5"/>
+      </a:accent3>
+      <a:accent4>
+        <a:srgbClr val="FFC000"/>
+      </a:accent4>
+      <a:accent5>
+        <a:srgbClr val="5B9BD5"/>
+      </a:accent5>
+      <a:accent6>
+        <a:srgbClr val="70AD47"/>
+      </a:accent6>
+      <a:hlink>
+        <a:srgbClr val="0563C1"/>
+      </a:hlink>
+      <a:folHlink>
+        <a:srgbClr val="954F72"/>
+      </a:folHlink>
+    </a:clrScheme>
+    <a:fontScheme name="Office">
+      <a:majorFont>
+        <a:latin typeface="等线 Light" panose="020F0302020204030204"/>
+        <a:ea typeface=""/>
+        <a:cs typeface=""/>
+        <a:font script="Jpan" typeface="游ゴシック Light"/>
+        <a:font script="Hang" typeface="맑은 고딕"/>
+        <a:font script="Hans" typeface="等线 Light"/>
+        <a:font script="Hant" typeface="新細明體"/>
+        <a:font script="Arab" typeface="Times New Roman"/>
+        <a:font script="Hebr" typeface="Times New Roman"/>
+        <a:font script="Thai" typeface="Angsana New"/>
+        <a:font script="Ethi" typeface="Nyala"/>
+        <a:font script="Beng" typeface="Vrinda"/>
+        <a:font script="Gujr" typeface="Shruti"/>
+        <a:font script="Khmr" typeface="MoolBoran"/>
+        <a:font script="Knda" typeface="Tunga"/>
+        <a:font script="Guru" typeface="Raavi"/>
+        <a:font script="Cans" typeface="Euphemia"/>
+        <a:font script="Cher" typeface="Plantagenet Cherokee"/>
+        <a:font script="Yiii" typeface="Microsoft Yi Baiti"/>
+        <a:font script="Tibt" typeface="Microsoft Himalaya"/>
+        <a:font script="Thaa" typeface="MV Boli"/>
+        <a:font script="Deva" typeface="Mangal"/>
+        <a:font script="Telu" typeface="Gautami"/>
+        <a:font script="Taml" typeface="Latha"/>
+        <a:font script="Syrc" typeface="Estrangelo Edessa"/>
+        <a:font script="Orya" typeface="Kalinga"/>
+        <a:font script="Mlym" typeface="Kartika"/>
+        <a:font script="Laoo" typeface="DokChampa"/>
+        <a:font script="Sinh" typeface="Iskoola Pota"/>
+        <a:font script="Mong" typeface="Mongolian Baiti"/>
+        <a:font script="Viet" typeface="Times New Roman"/>
+        <a:font script="Uigh" typeface="Microsoft Uighur"/>
+        <a:font script="Geor" typeface="Sylfaen"/>
+        <a:font script="Armn" typeface="Arial"/>
+        <a:font script="Bugi" typeface="Leelawadee UI"/>
+        <a:font script="Bopo" typeface="Microsoft JhengHei"/>
+        <a:font script="Java" typeface="Javanese Text"/>
+        <a:font script="Lisu" typeface="Segoe UI"/>
+        <a:font script="Mymr" typeface="Myanmar Text"/>
+        <a:font script="Nkoo" typeface="Ebrima"/>
+        <a:font script="Olck" typeface="Nirmala UI"/>
+        <a:font script="Osma" typeface="Ebrima"/>
+        <a:font script="Phag" typeface="Phagspa"/>
+        <a:font script="Syrn" typeface="Estrangelo Edessa"/>
+        <a:font script="Syrj" typeface="Estrangelo Edessa"/>
+        <a:font script="Syre" typeface="Estrangelo Edessa"/>
+        <a:font script="Sora" typeface="Nirmala UI"/>
+        <a:font script="Tale" typeface="Microsoft Tai Le"/>
+        <a:font script="Talu" typeface="Microsoft New Tai Lue"/>
+        <a:font script="Tfng" typeface="Ebrima"/>
+      </a:majorFont>
+      <a:minorFont>
+        <a:latin typeface="等线" panose="020F0502020204030204"/>
+        <a:ea typeface=""/>
+        <a:cs typeface=""/>
+        <a:font script="Jpan" typeface="游ゴシック"/>
+        <a:font script="Hang" typeface="맑은 고딕"/>
+        <a:font script="Hans" typeface="等线"/>
+        <a:font script="Hant" typeface="新細明體"/>
+        <a:font script="Arab" typeface="Arial"/>
+        <a:font script="Hebr" typeface="Arial"/>
+        <a:font script="Thai" typeface="Cordia New"/>
+        <a:font script="Ethi" typeface="Nyala"/>
+        <a:font script="Beng" typeface="Vrinda"/>
+        <a:font script="Gujr" typeface="Shruti"/>
+        <a:font script="Khmr" typeface="DaunPenh"/>
+        <a:font script="Knda" typeface="Tunga"/>
+        <a:font script="Guru" typeface="Raavi"/>
+        <a:font script="Cans" typeface="Euphemia"/>
+        <a:font script="Cher" typeface="Plantagenet Cherokee"/>
+        <a:font script="Yiii" typeface="Microsoft Yi Baiti"/>
+        <a:font script="Tibt" typeface="Microsoft Himalaya"/>
+        <a:font script="Thaa" typeface="MV Boli"/>
+        <a:font script="Deva" typeface="Mangal"/>
+        <a:font script="Telu" typeface="Gautami"/>
+        <a:font script="Taml" typeface="Latha"/>
+        <a:font script="Syrc" typeface="Estrangelo Edessa"/>
+        <a:font script="Orya" typeface="Kalinga"/>
+        <a:font script="Mlym" typeface="Kartika"/>
+        <a:font script="Laoo" typeface="DokChampa"/>
+        <a:font script="Sinh" typeface="Iskoola Pota"/>
+        <a:font script="Mong" typeface="Mongolian Baiti"/>
+        <a:font script="Viet" typeface="Arial"/>
+        <a:font script="Uigh" typeface="Microsoft Uighur"/>
+        <a:font script="Geor" typeface="Sylfaen"/>
+        <a:font script="Armn" typeface="Arial"/>
+        <a:font script="Bugi" typeface="Leelawadee UI"/>
+        <a:font script="Bopo" typeface="Microsoft JhengHei"/>
+        <a:font script="Java" typeface="Javanese Text"/>
+        <a:font script="Lisu" typeface="Segoe UI"/>
+        <a:font script="Mymr" typeface="Myanmar Text"/>
+        <a:font script="Nkoo" typeface="Ebrima"/>
+        <a:font script="Olck" typeface="Nirmala UI"/>
+        <a:font script="Osma" typeface="Ebrima"/>
+        <a:font script="Phag" typeface="Phagspa"/>
+        <a:font script="Syrn" typeface="Estrangelo Edessa"/>
+        <a:font script="Syrj" typeface="Estrangelo Edessa"/>
+        <a:font script="Syre" typeface="Estrangelo Edessa"/>
+        <a:font script="Sora" typeface="Nirmala UI"/>
+        <a:font script="Tale" typeface="Microsoft Tai Le"/>
+        <a:font script="Talu" typeface="Microsoft New Tai Lue"/>
+        <a:font script="Tfng" typeface="Ebrima"/>
+      </a:minorFont>
+    </a:fontScheme>
+    <a:fmtScheme name="Office">
+      <a:fillStyleLst>
+        <a:solidFill>
+          <a:schemeClr val="phClr"/>
+        </a:solidFill>
+        <a:gradFill rotWithShape="1">
+          <a:gsLst>
+            <a:gs pos="0">
+              <a:schemeClr val="phClr">
+                <a:lumMod val="110000"/>
+                <a:satMod val="105000"/>
+                <a:tint val="67000"/>
+              </a:schemeClr>
+            </a:gs>
+            <a:gs pos="50000">
+              <a:schemeClr val="phClr">
+                <a:lumMod val="105000"/>
+                <a:satMod val="103000"/>
+                <a:tint val="73000"/>
+              </a:schemeClr>
+            </a:gs>
+            <a:gs pos="100000">
+              <a:schemeClr val="phClr">
+                <a:lumMod val="105000"/>
+                <a:satMod val="109000"/>
+                <a:tint val="81000"/>
+              </a:schemeClr>
+            </a:gs>
+          </a:gsLst>
+          <a:lin ang="5400000" scaled="0"/>
+        </a:gradFill>
+        <a:gradFill rotWithShape="1">
+          <a:gsLst>
+            <a:gs pos="0">
+              <a:schemeClr val="phClr">
+                <a:satMod val="103000"/>
+                <a:lumMod val="102000"/>
+                <a:tint val="94000"/>
+              </a:schemeClr>
+            </a:gs>
+            <a:gs pos="50000">
+              <a:schemeClr val="phClr">
+                <a:satMod val="110000"/>
+                <a:lumMod val="100000"/>
+                <a:shade val="100000"/>
+              </a:schemeClr>
+            </a:gs>
+            <a:gs pos="100000">
+              <a:schemeClr val="phClr">
+                <a:lumMod val="99000"/>
+                <a:satMod val="120000"/>
+                <a:shade val="78000"/>
+              </a:schemeClr>
+            </a:gs>
+          </a:gsLst>
+          <a:lin ang="5400000" scaled="0"/>
+        </a:gradFill>
+      </a:fillStyleLst>
+      <a:lnStyleLst>
+        <a:ln w="6350" cap="flat" cmpd="sng" algn="ctr">
+          <a:solidFill>
+            <a:schemeClr val="phClr"/>
+          </a:solidFill>
+          <a:prstDash val="solid"/>
+          <a:miter lim="800000"/>
+        </a:ln>
+        <a:ln w="12700" cap="flat" cmpd="sng" algn="ctr">
+          <a:solidFill>
+            <a:schemeClr val="phClr"/>
+          </a:solidFill>
+          <a:prstDash val="solid"/>
+          <a:miter lim="800000"/>
+        </a:ln>
+        <a:ln w="19050" cap="flat" cmpd="sng" algn="ctr">
+          <a:solidFill>
+            <a:schemeClr val="phClr"/>
+          </a:solidFill>
+          <a:prstDash val="solid"/>
+          <a:miter lim="800000"/>
+        </a:ln>
+      </a:lnStyleLst>
+      <a:effectStyleLst>
+        <a:effectStyle>
+          <a:effectLst/>
+        </a:effectStyle>
+        <a:effectStyle>
+          <a:effectLst/>
+        </a:effectStyle>
+        <a:effectStyle>
+          <a:effectLst>
+            <a:outerShdw blurRad="57150" dist="19050" dir="5400000" algn="ctr" rotWithShape="0">
+              <a:srgbClr val="000000">
+                <a:alpha val="63000"/>
+              </a:srgbClr>
+            </a:outerShdw>
+          </a:effectLst>
+        </a:effectStyle>
+      </a:effectStyleLst>
+      <a:bgFillStyleLst>
+        <a:solidFill>
+          <a:schemeClr val="phClr"/>
+        </a:solidFill>
+        <a:solidFill>
+          <a:schemeClr val="phClr">
+            <a:tint val="95000"/>
+            <a:satMod val="170000"/>
+          </a:schemeClr>
+        </a:solidFill>
+        <a:gradFill rotWithShape="1">
+          <a:gsLst>
+            <a:gs pos="0">
+              <a:schemeClr val="phClr">
+                <a:tint val="93000"/>
+                <a:satMod val="150000"/>
+                <a:shade val="98000"/>
+                <a:lumMod val="102000"/>
+              </a:schemeClr>
+            </a:gs>
+            <a:gs pos="50000">
+              <a:schemeClr val="phClr">
+                <a:tint val="98000"/>
+                <a:satMod val="130000"/>
+                <a:shade val="90000"/>
+                <a:lumMod val="103000"/>
+              </a:schemeClr>
+            </a:gs>
+            <a:gs pos="100000">
+              <a:schemeClr val="phClr">
+                <a:shade val="63000"/>
+                <a:satMod val="120000"/>
+              </a:schemeClr>
+            </a:gs>
+          </a:gsLst>
+          <a:lin ang="5400000" scaled="0"/>
+        </a:gradFill>
+      </a:bgFillStyleLst>
+    </a:fmtScheme>
+  </a:themeElements>
+  <a:objectDefaults/>
+  <a:extraClrSchemeLst/>
+  <a:extLst>
+    <a:ext uri="{05A4C25C-085E-4340-85A3-A5531E510DB2}">
+      <thm15:themeFamily xmlns:thm15="http://schemas.microsoft.com/office/thememl/2012/main" name="Office Theme" id="{62F939B6-93AF-4DB8-9C6B-D6C7DFDC589F}" vid="{4A3C46E8-61CC-4603-A589-7422A47A8E4A}"/>
+    </a:ext>
+  </a:extLst>
+</a:theme>
 </file>